--- a/Presentation.pptx
+++ b/Presentation.pptx
@@ -8,6 +8,9 @@
     <p:sldId id="256" r:id="rId2"/>
     <p:sldId id="261" r:id="rId3"/>
     <p:sldId id="259" r:id="rId4"/>
+    <p:sldId id="262" r:id="rId5"/>
+    <p:sldId id="264" r:id="rId6"/>
+    <p:sldId id="265" r:id="rId7"/>
   </p:sldIdLst>
   <p:sldSz cx="12192000" cy="6858000"/>
   <p:notesSz cx="6858000" cy="9144000"/>
@@ -3983,6 +3986,558 @@
 </p:sld>
 </file>
 
+<file path=ppt/slides/slide4.xml><?xml version="1.0" encoding="utf-8"?>
+<p:sld xmlns:a="http://schemas.openxmlformats.org/drawingml/2006/main" xmlns:r="http://schemas.openxmlformats.org/officeDocument/2006/relationships" xmlns:p="http://schemas.openxmlformats.org/presentationml/2006/main">
+  <p:cSld>
+    <p:spTree>
+      <p:nvGrpSpPr>
+        <p:cNvPr id="1" name=""/>
+        <p:cNvGrpSpPr/>
+        <p:nvPr/>
+      </p:nvGrpSpPr>
+      <p:grpSpPr>
+        <a:xfrm>
+          <a:off x="0" y="0"/>
+          <a:ext cx="0" cy="0"/>
+          <a:chOff x="0" y="0"/>
+          <a:chExt cx="0" cy="0"/>
+        </a:xfrm>
+      </p:grpSpPr>
+      <p:sp>
+        <p:nvSpPr>
+          <p:cNvPr id="2" name="Title 1">
+            <a:extLst>
+              <a:ext uri="{FF2B5EF4-FFF2-40B4-BE49-F238E27FC236}">
+                <a16:creationId xmlns:a16="http://schemas.microsoft.com/office/drawing/2014/main" id="{9B7DA952-D108-4041-9626-39877CE98407}"/>
+              </a:ext>
+            </a:extLst>
+          </p:cNvPr>
+          <p:cNvSpPr>
+            <a:spLocks noGrp="1"/>
+          </p:cNvSpPr>
+          <p:nvPr>
+            <p:ph type="title"/>
+          </p:nvPr>
+        </p:nvSpPr>
+        <p:spPr/>
+        <p:txBody>
+          <a:bodyPr/>
+          <a:lstStyle/>
+          <a:p>
+            <a:r>
+              <a:rPr lang="en-US" dirty="0"/>
+              <a:t>Why this issue?</a:t>
+            </a:r>
+          </a:p>
+        </p:txBody>
+      </p:sp>
+      <p:sp>
+        <p:nvSpPr>
+          <p:cNvPr id="3" name="Content Placeholder 2">
+            <a:extLst>
+              <a:ext uri="{FF2B5EF4-FFF2-40B4-BE49-F238E27FC236}">
+                <a16:creationId xmlns:a16="http://schemas.microsoft.com/office/drawing/2014/main" id="{BE277C4B-4AE3-4867-BC32-BC1247C7F85E}"/>
+              </a:ext>
+            </a:extLst>
+          </p:cNvPr>
+          <p:cNvSpPr>
+            <a:spLocks noGrp="1"/>
+          </p:cNvSpPr>
+          <p:nvPr>
+            <p:ph idx="1"/>
+          </p:nvPr>
+        </p:nvSpPr>
+        <p:spPr/>
+        <p:txBody>
+          <a:bodyPr/>
+          <a:lstStyle/>
+          <a:p>
+            <a:r>
+              <a:rPr lang="en-US" dirty="0"/>
+              <a:t>Personal connections</a:t>
+            </a:r>
+          </a:p>
+          <a:p>
+            <a:r>
+              <a:rPr lang="en-US" dirty="0"/>
+              <a:t>Huge problem in the world</a:t>
+            </a:r>
+          </a:p>
+        </p:txBody>
+      </p:sp>
+      <p:sp>
+        <p:nvSpPr>
+          <p:cNvPr id="4" name="Title 1">
+            <a:extLst>
+              <a:ext uri="{FF2B5EF4-FFF2-40B4-BE49-F238E27FC236}">
+                <a16:creationId xmlns:a16="http://schemas.microsoft.com/office/drawing/2014/main" id="{E6D195EE-F091-4294-AF72-8864D67CB389}"/>
+              </a:ext>
+            </a:extLst>
+          </p:cNvPr>
+          <p:cNvSpPr txBox="1">
+            <a:spLocks/>
+          </p:cNvSpPr>
+          <p:nvPr/>
+        </p:nvSpPr>
+        <p:spPr>
+          <a:xfrm>
+            <a:off x="-10896600" y="1027906"/>
+            <a:ext cx="10515600" cy="1325563"/>
+          </a:xfrm>
+          <a:prstGeom prst="rect">
+            <a:avLst/>
+          </a:prstGeom>
+        </p:spPr>
+        <p:txBody>
+          <a:bodyPr vert="horz" lIns="91440" tIns="45720" rIns="91440" bIns="45720" rtlCol="0" anchor="ctr">
+            <a:normAutofit/>
+          </a:bodyPr>
+          <a:lstStyle>
+            <a:lvl1pPr algn="l" defTabSz="914400" rtl="0" eaLnBrk="1" latinLnBrk="0" hangingPunct="1">
+              <a:lnSpc>
+                <a:spcPct val="90000"/>
+              </a:lnSpc>
+              <a:spcBef>
+                <a:spcPct val="0"/>
+              </a:spcBef>
+              <a:buNone/>
+              <a:defRPr sz="4400" kern="1200">
+                <a:solidFill>
+                  <a:schemeClr val="tx1"/>
+                </a:solidFill>
+                <a:latin typeface="+mj-lt"/>
+                <a:ea typeface="+mj-ea"/>
+                <a:cs typeface="+mj-cs"/>
+              </a:defRPr>
+            </a:lvl1pPr>
+          </a:lstStyle>
+          <a:p>
+            <a:r>
+              <a:rPr lang="en-US"/>
+              <a:t>Why is it a problem?</a:t>
+            </a:r>
+            <a:endParaRPr lang="en-US" dirty="0"/>
+          </a:p>
+        </p:txBody>
+      </p:sp>
+      <p:sp>
+        <p:nvSpPr>
+          <p:cNvPr id="5" name="Content Placeholder 2">
+            <a:extLst>
+              <a:ext uri="{FF2B5EF4-FFF2-40B4-BE49-F238E27FC236}">
+                <a16:creationId xmlns:a16="http://schemas.microsoft.com/office/drawing/2014/main" id="{70ACD561-5AD9-4A20-804B-ABABE7C97E7F}"/>
+              </a:ext>
+            </a:extLst>
+          </p:cNvPr>
+          <p:cNvSpPr txBox="1">
+            <a:spLocks/>
+          </p:cNvSpPr>
+          <p:nvPr/>
+        </p:nvSpPr>
+        <p:spPr>
+          <a:xfrm>
+            <a:off x="-10896600" y="2488406"/>
+            <a:ext cx="10515600" cy="4351338"/>
+          </a:xfrm>
+          <a:prstGeom prst="rect">
+            <a:avLst/>
+          </a:prstGeom>
+        </p:spPr>
+        <p:txBody>
+          <a:bodyPr vert="horz" lIns="91440" tIns="45720" rIns="91440" bIns="45720" rtlCol="0">
+            <a:normAutofit/>
+          </a:bodyPr>
+          <a:lstStyle>
+            <a:lvl1pPr marL="228600" indent="-228600" algn="l" defTabSz="914400" rtl="0" eaLnBrk="1" latinLnBrk="0" hangingPunct="1">
+              <a:lnSpc>
+                <a:spcPct val="90000"/>
+              </a:lnSpc>
+              <a:spcBef>
+                <a:spcPts val="1000"/>
+              </a:spcBef>
+              <a:buFont typeface="Arial" panose="020B0604020202020204" pitchFamily="34" charset="0"/>
+              <a:buChar char="•"/>
+              <a:defRPr sz="2800" kern="1200">
+                <a:solidFill>
+                  <a:schemeClr val="tx1"/>
+                </a:solidFill>
+                <a:latin typeface="+mn-lt"/>
+                <a:ea typeface="+mn-ea"/>
+                <a:cs typeface="+mn-cs"/>
+              </a:defRPr>
+            </a:lvl1pPr>
+            <a:lvl2pPr marL="685800" indent="-228600" algn="l" defTabSz="914400" rtl="0" eaLnBrk="1" latinLnBrk="0" hangingPunct="1">
+              <a:lnSpc>
+                <a:spcPct val="90000"/>
+              </a:lnSpc>
+              <a:spcBef>
+                <a:spcPts val="500"/>
+              </a:spcBef>
+              <a:buFont typeface="Arial" panose="020B0604020202020204" pitchFamily="34" charset="0"/>
+              <a:buChar char="•"/>
+              <a:defRPr sz="2400" kern="1200">
+                <a:solidFill>
+                  <a:schemeClr val="tx1"/>
+                </a:solidFill>
+                <a:latin typeface="+mn-lt"/>
+                <a:ea typeface="+mn-ea"/>
+                <a:cs typeface="+mn-cs"/>
+              </a:defRPr>
+            </a:lvl2pPr>
+            <a:lvl3pPr marL="1143000" indent="-228600" algn="l" defTabSz="914400" rtl="0" eaLnBrk="1" latinLnBrk="0" hangingPunct="1">
+              <a:lnSpc>
+                <a:spcPct val="90000"/>
+              </a:lnSpc>
+              <a:spcBef>
+                <a:spcPts val="500"/>
+              </a:spcBef>
+              <a:buFont typeface="Arial" panose="020B0604020202020204" pitchFamily="34" charset="0"/>
+              <a:buChar char="•"/>
+              <a:defRPr sz="2000" kern="1200">
+                <a:solidFill>
+                  <a:schemeClr val="tx1"/>
+                </a:solidFill>
+                <a:latin typeface="+mn-lt"/>
+                <a:ea typeface="+mn-ea"/>
+                <a:cs typeface="+mn-cs"/>
+              </a:defRPr>
+            </a:lvl3pPr>
+            <a:lvl4pPr marL="1600200" indent="-228600" algn="l" defTabSz="914400" rtl="0" eaLnBrk="1" latinLnBrk="0" hangingPunct="1">
+              <a:lnSpc>
+                <a:spcPct val="90000"/>
+              </a:lnSpc>
+              <a:spcBef>
+                <a:spcPts val="500"/>
+              </a:spcBef>
+              <a:buFont typeface="Arial" panose="020B0604020202020204" pitchFamily="34" charset="0"/>
+              <a:buChar char="•"/>
+              <a:defRPr sz="1800" kern="1200">
+                <a:solidFill>
+                  <a:schemeClr val="tx1"/>
+                </a:solidFill>
+                <a:latin typeface="+mn-lt"/>
+                <a:ea typeface="+mn-ea"/>
+                <a:cs typeface="+mn-cs"/>
+              </a:defRPr>
+            </a:lvl4pPr>
+            <a:lvl5pPr marL="2057400" indent="-228600" algn="l" defTabSz="914400" rtl="0" eaLnBrk="1" latinLnBrk="0" hangingPunct="1">
+              <a:lnSpc>
+                <a:spcPct val="90000"/>
+              </a:lnSpc>
+              <a:spcBef>
+                <a:spcPts val="500"/>
+              </a:spcBef>
+              <a:buFont typeface="Arial" panose="020B0604020202020204" pitchFamily="34" charset="0"/>
+              <a:buChar char="•"/>
+              <a:defRPr sz="1800" kern="1200">
+                <a:solidFill>
+                  <a:schemeClr val="tx1"/>
+                </a:solidFill>
+                <a:latin typeface="+mn-lt"/>
+                <a:ea typeface="+mn-ea"/>
+                <a:cs typeface="+mn-cs"/>
+              </a:defRPr>
+            </a:lvl5pPr>
+            <a:lvl6pPr marL="2514600" indent="-228600" algn="l" defTabSz="914400" rtl="0" eaLnBrk="1" latinLnBrk="0" hangingPunct="1">
+              <a:lnSpc>
+                <a:spcPct val="90000"/>
+              </a:lnSpc>
+              <a:spcBef>
+                <a:spcPts val="500"/>
+              </a:spcBef>
+              <a:buFont typeface="Arial" panose="020B0604020202020204" pitchFamily="34" charset="0"/>
+              <a:buChar char="•"/>
+              <a:defRPr sz="1800" kern="1200">
+                <a:solidFill>
+                  <a:schemeClr val="tx1"/>
+                </a:solidFill>
+                <a:latin typeface="+mn-lt"/>
+                <a:ea typeface="+mn-ea"/>
+                <a:cs typeface="+mn-cs"/>
+              </a:defRPr>
+            </a:lvl6pPr>
+            <a:lvl7pPr marL="2971800" indent="-228600" algn="l" defTabSz="914400" rtl="0" eaLnBrk="1" latinLnBrk="0" hangingPunct="1">
+              <a:lnSpc>
+                <a:spcPct val="90000"/>
+              </a:lnSpc>
+              <a:spcBef>
+                <a:spcPts val="500"/>
+              </a:spcBef>
+              <a:buFont typeface="Arial" panose="020B0604020202020204" pitchFamily="34" charset="0"/>
+              <a:buChar char="•"/>
+              <a:defRPr sz="1800" kern="1200">
+                <a:solidFill>
+                  <a:schemeClr val="tx1"/>
+                </a:solidFill>
+                <a:latin typeface="+mn-lt"/>
+                <a:ea typeface="+mn-ea"/>
+                <a:cs typeface="+mn-cs"/>
+              </a:defRPr>
+            </a:lvl7pPr>
+            <a:lvl8pPr marL="3429000" indent="-228600" algn="l" defTabSz="914400" rtl="0" eaLnBrk="1" latinLnBrk="0" hangingPunct="1">
+              <a:lnSpc>
+                <a:spcPct val="90000"/>
+              </a:lnSpc>
+              <a:spcBef>
+                <a:spcPts val="500"/>
+              </a:spcBef>
+              <a:buFont typeface="Arial" panose="020B0604020202020204" pitchFamily="34" charset="0"/>
+              <a:buChar char="•"/>
+              <a:defRPr sz="1800" kern="1200">
+                <a:solidFill>
+                  <a:schemeClr val="tx1"/>
+                </a:solidFill>
+                <a:latin typeface="+mn-lt"/>
+                <a:ea typeface="+mn-ea"/>
+                <a:cs typeface="+mn-cs"/>
+              </a:defRPr>
+            </a:lvl8pPr>
+            <a:lvl9pPr marL="3886200" indent="-228600" algn="l" defTabSz="914400" rtl="0" eaLnBrk="1" latinLnBrk="0" hangingPunct="1">
+              <a:lnSpc>
+                <a:spcPct val="90000"/>
+              </a:lnSpc>
+              <a:spcBef>
+                <a:spcPts val="500"/>
+              </a:spcBef>
+              <a:buFont typeface="Arial" panose="020B0604020202020204" pitchFamily="34" charset="0"/>
+              <a:buChar char="•"/>
+              <a:defRPr sz="1800" kern="1200">
+                <a:solidFill>
+                  <a:schemeClr val="tx1"/>
+                </a:solidFill>
+                <a:latin typeface="+mn-lt"/>
+                <a:ea typeface="+mn-ea"/>
+                <a:cs typeface="+mn-cs"/>
+              </a:defRPr>
+            </a:lvl9pPr>
+          </a:lstStyle>
+          <a:p>
+            <a:r>
+              <a:rPr lang="en-US"/>
+              <a:t>Usage likely prevents over 272,000 maternal deaths a year (Johns Hopkins Bloomberg School of Public Health)</a:t>
+            </a:r>
+          </a:p>
+          <a:p>
+            <a:r>
+              <a:rPr lang="en-US"/>
+              <a:t>Usage is linked to a better quality of life for women (Planned Parenthood)</a:t>
+            </a:r>
+          </a:p>
+          <a:p>
+            <a:r>
+              <a:rPr lang="en-US"/>
+              <a:t>Advances the economy for everyone (Planned Parenthood)</a:t>
+            </a:r>
+            <a:endParaRPr lang="en-US" dirty="0"/>
+          </a:p>
+        </p:txBody>
+      </p:sp>
+    </p:spTree>
+    <p:extLst>
+      <p:ext uri="{BB962C8B-B14F-4D97-AF65-F5344CB8AC3E}">
+        <p14:creationId xmlns:p14="http://schemas.microsoft.com/office/powerpoint/2010/main" val="3488698289"/>
+      </p:ext>
+    </p:extLst>
+  </p:cSld>
+  <p:clrMapOvr>
+    <a:masterClrMapping/>
+  </p:clrMapOvr>
+  <mc:AlternateContent xmlns:mc="http://schemas.openxmlformats.org/markup-compatibility/2006">
+    <mc:Choice xmlns:p159="http://schemas.microsoft.com/office/powerpoint/2015/09/main" Requires="p159">
+      <p:transition xmlns:p14="http://schemas.microsoft.com/office/powerpoint/2010/main" p14:dur="250">
+        <p159:morph option="byObject"/>
+      </p:transition>
+    </mc:Choice>
+    <mc:Fallback>
+      <p:transition>
+        <p:fade/>
+      </p:transition>
+    </mc:Fallback>
+  </mc:AlternateContent>
+</p:sld>
+</file>
+
+<file path=ppt/slides/slide5.xml><?xml version="1.0" encoding="utf-8"?>
+<p:sld xmlns:a="http://schemas.openxmlformats.org/drawingml/2006/main" xmlns:r="http://schemas.openxmlformats.org/officeDocument/2006/relationships" xmlns:p="http://schemas.openxmlformats.org/presentationml/2006/main">
+  <p:cSld>
+    <p:spTree>
+      <p:nvGrpSpPr>
+        <p:cNvPr id="1" name=""/>
+        <p:cNvGrpSpPr/>
+        <p:nvPr/>
+      </p:nvGrpSpPr>
+      <p:grpSpPr>
+        <a:xfrm>
+          <a:off x="0" y="0"/>
+          <a:ext cx="0" cy="0"/>
+          <a:chOff x="0" y="0"/>
+          <a:chExt cx="0" cy="0"/>
+        </a:xfrm>
+      </p:grpSpPr>
+      <p:sp>
+        <p:nvSpPr>
+          <p:cNvPr id="2" name="Title 1">
+            <a:extLst>
+              <a:ext uri="{FF2B5EF4-FFF2-40B4-BE49-F238E27FC236}">
+                <a16:creationId xmlns:a16="http://schemas.microsoft.com/office/drawing/2014/main" id="{614130BF-881F-47FC-A266-570BCF25CE9D}"/>
+              </a:ext>
+            </a:extLst>
+          </p:cNvPr>
+          <p:cNvSpPr>
+            <a:spLocks noGrp="1"/>
+          </p:cNvSpPr>
+          <p:nvPr>
+            <p:ph type="ctrTitle"/>
+          </p:nvPr>
+        </p:nvSpPr>
+        <p:spPr/>
+        <p:txBody>
+          <a:bodyPr/>
+          <a:lstStyle/>
+          <a:p>
+            <a:r>
+              <a:rPr lang="en-US" dirty="0"/>
+              <a:t>Existing Solutions?</a:t>
+            </a:r>
+          </a:p>
+        </p:txBody>
+      </p:sp>
+    </p:spTree>
+    <p:extLst>
+      <p:ext uri="{BB962C8B-B14F-4D97-AF65-F5344CB8AC3E}">
+        <p14:creationId xmlns:p14="http://schemas.microsoft.com/office/powerpoint/2010/main" val="473185037"/>
+      </p:ext>
+    </p:extLst>
+  </p:cSld>
+  <p:clrMapOvr>
+    <a:masterClrMapping/>
+  </p:clrMapOvr>
+  <mc:AlternateContent xmlns:mc="http://schemas.openxmlformats.org/markup-compatibility/2006">
+    <mc:Choice xmlns:p159="http://schemas.microsoft.com/office/powerpoint/2015/09/main" Requires="p159">
+      <p:transition xmlns:p14="http://schemas.microsoft.com/office/powerpoint/2010/main" p14:dur="250">
+        <p159:morph option="byObject"/>
+      </p:transition>
+    </mc:Choice>
+    <mc:Fallback>
+      <p:transition>
+        <p:fade/>
+      </p:transition>
+    </mc:Fallback>
+  </mc:AlternateContent>
+</p:sld>
+</file>
+
+<file path=ppt/slides/slide6.xml><?xml version="1.0" encoding="utf-8"?>
+<p:sld xmlns:a="http://schemas.openxmlformats.org/drawingml/2006/main" xmlns:r="http://schemas.openxmlformats.org/officeDocument/2006/relationships" xmlns:p="http://schemas.openxmlformats.org/presentationml/2006/main">
+  <p:cSld>
+    <p:spTree>
+      <p:nvGrpSpPr>
+        <p:cNvPr id="1" name=""/>
+        <p:cNvGrpSpPr/>
+        <p:nvPr/>
+      </p:nvGrpSpPr>
+      <p:grpSpPr>
+        <a:xfrm>
+          <a:off x="0" y="0"/>
+          <a:ext cx="0" cy="0"/>
+          <a:chOff x="0" y="0"/>
+          <a:chExt cx="0" cy="0"/>
+        </a:xfrm>
+      </p:grpSpPr>
+      <p:sp>
+        <p:nvSpPr>
+          <p:cNvPr id="3" name="Rectangle 2">
+            <a:extLst>
+              <a:ext uri="{FF2B5EF4-FFF2-40B4-BE49-F238E27FC236}">
+                <a16:creationId xmlns:a16="http://schemas.microsoft.com/office/drawing/2014/main" id="{8FADD061-B100-4BCD-90F1-9434BC892479}"/>
+              </a:ext>
+            </a:extLst>
+          </p:cNvPr>
+          <p:cNvSpPr/>
+          <p:nvPr/>
+        </p:nvSpPr>
+        <p:spPr>
+          <a:xfrm>
+            <a:off x="1850810" y="5873234"/>
+            <a:ext cx="3918380" cy="369332"/>
+          </a:xfrm>
+          <a:prstGeom prst="rect">
+            <a:avLst/>
+          </a:prstGeom>
+        </p:spPr>
+        <p:txBody>
+          <a:bodyPr wrap="none">
+            <a:spAutoFit/>
+          </a:bodyPr>
+          <a:lstStyle/>
+          <a:p>
+            <a:r>
+              <a:rPr lang="en-US" dirty="0"/>
+              <a:t>http://www.condomfinder.org/find.php</a:t>
+            </a:r>
+          </a:p>
+        </p:txBody>
+      </p:sp>
+      <p:pic>
+        <p:nvPicPr>
+          <p:cNvPr id="6" name="Picture 5">
+            <a:extLst>
+              <a:ext uri="{FF2B5EF4-FFF2-40B4-BE49-F238E27FC236}">
+                <a16:creationId xmlns:a16="http://schemas.microsoft.com/office/drawing/2014/main" id="{290C382B-6850-4C4A-BC86-AE4E8A62A87C}"/>
+              </a:ext>
+            </a:extLst>
+          </p:cNvPr>
+          <p:cNvPicPr>
+            <a:picLocks noChangeAspect="1"/>
+          </p:cNvPicPr>
+          <p:nvPr/>
+        </p:nvPicPr>
+        <p:blipFill>
+          <a:blip r:embed="rId2"/>
+          <a:stretch>
+            <a:fillRect/>
+          </a:stretch>
+        </p:blipFill>
+        <p:spPr>
+          <a:xfrm>
+            <a:off x="552450" y="682482"/>
+            <a:ext cx="6515100" cy="5112036"/>
+          </a:xfrm>
+          <a:prstGeom prst="rect">
+            <a:avLst/>
+          </a:prstGeom>
+          <a:ln w="38100" cap="rnd">
+            <a:solidFill>
+              <a:schemeClr val="tx1"/>
+            </a:solidFill>
+          </a:ln>
+        </p:spPr>
+      </p:pic>
+    </p:spTree>
+    <p:extLst>
+      <p:ext uri="{BB962C8B-B14F-4D97-AF65-F5344CB8AC3E}">
+        <p14:creationId xmlns:p14="http://schemas.microsoft.com/office/powerpoint/2010/main" val="4065201735"/>
+      </p:ext>
+    </p:extLst>
+  </p:cSld>
+  <p:clrMapOvr>
+    <a:masterClrMapping/>
+  </p:clrMapOvr>
+  <mc:AlternateContent xmlns:mc="http://schemas.openxmlformats.org/markup-compatibility/2006">
+    <mc:Choice xmlns:p159="http://schemas.microsoft.com/office/powerpoint/2015/09/main" Requires="p159">
+      <p:transition xmlns:p14="http://schemas.microsoft.com/office/powerpoint/2010/main" p14:dur="250">
+        <p159:morph option="byObject"/>
+      </p:transition>
+    </mc:Choice>
+    <mc:Fallback>
+      <p:transition>
+        <p:fade/>
+      </p:transition>
+    </mc:Fallback>
+  </mc:AlternateContent>
+</p:sld>
+</file>
+
 <file path=ppt/theme/theme1.xml><?xml version="1.0" encoding="utf-8"?>
 <a:theme xmlns:a="http://schemas.openxmlformats.org/drawingml/2006/main" name="Office Theme">
   <a:themeElements>

--- a/Presentation.pptx
+++ b/Presentation.pptx
@@ -11,6 +11,7 @@
     <p:sldId id="262" r:id="rId5"/>
     <p:sldId id="264" r:id="rId6"/>
     <p:sldId id="265" r:id="rId7"/>
+    <p:sldId id="266" r:id="rId8"/>
   </p:sldIdLst>
   <p:sldSz cx="12192000" cy="6858000"/>
   <p:notesSz cx="6858000" cy="9144000"/>
@@ -4402,6 +4403,144 @@
           </a:p>
         </p:txBody>
       </p:sp>
+      <p:sp>
+        <p:nvSpPr>
+          <p:cNvPr id="13" name="Rectangle 12">
+            <a:extLst>
+              <a:ext uri="{FF2B5EF4-FFF2-40B4-BE49-F238E27FC236}">
+                <a16:creationId xmlns:a16="http://schemas.microsoft.com/office/drawing/2014/main" id="{5827A8E0-CAF4-47C8-B365-9BCFDB150D84}"/>
+              </a:ext>
+            </a:extLst>
+          </p:cNvPr>
+          <p:cNvSpPr/>
+          <p:nvPr/>
+        </p:nvSpPr>
+        <p:spPr>
+          <a:xfrm>
+            <a:off x="-6493090" y="5814353"/>
+            <a:ext cx="3918380" cy="369332"/>
+          </a:xfrm>
+          <a:prstGeom prst="rect">
+            <a:avLst/>
+          </a:prstGeom>
+        </p:spPr>
+        <p:txBody>
+          <a:bodyPr wrap="none">
+            <a:spAutoFit/>
+          </a:bodyPr>
+          <a:lstStyle/>
+          <a:p>
+            <a:r>
+              <a:rPr lang="en-US" dirty="0"/>
+              <a:t>http://www.condomfinder.org/find.php</a:t>
+            </a:r>
+          </a:p>
+        </p:txBody>
+      </p:sp>
+      <p:pic>
+        <p:nvPicPr>
+          <p:cNvPr id="14" name="Picture 13">
+            <a:extLst>
+              <a:ext uri="{FF2B5EF4-FFF2-40B4-BE49-F238E27FC236}">
+                <a16:creationId xmlns:a16="http://schemas.microsoft.com/office/drawing/2014/main" id="{29229455-6A32-414B-B3A9-811B1A22EAE4}"/>
+              </a:ext>
+            </a:extLst>
+          </p:cNvPr>
+          <p:cNvPicPr>
+            <a:picLocks noChangeAspect="1"/>
+          </p:cNvPicPr>
+          <p:nvPr/>
+        </p:nvPicPr>
+        <p:blipFill>
+          <a:blip r:embed="rId2"/>
+          <a:stretch>
+            <a:fillRect/>
+          </a:stretch>
+        </p:blipFill>
+        <p:spPr>
+          <a:xfrm>
+            <a:off x="-7791450" y="623601"/>
+            <a:ext cx="6515100" cy="5112036"/>
+          </a:xfrm>
+          <a:prstGeom prst="rect">
+            <a:avLst/>
+          </a:prstGeom>
+          <a:ln w="38100" cap="rnd">
+            <a:solidFill>
+              <a:schemeClr val="tx1"/>
+            </a:solidFill>
+          </a:ln>
+        </p:spPr>
+      </p:pic>
+      <p:sp>
+        <p:nvSpPr>
+          <p:cNvPr id="15" name="TextBox 14">
+            <a:extLst>
+              <a:ext uri="{FF2B5EF4-FFF2-40B4-BE49-F238E27FC236}">
+                <a16:creationId xmlns:a16="http://schemas.microsoft.com/office/drawing/2014/main" id="{3FFD2418-A229-4300-904C-8421C6435BF3}"/>
+              </a:ext>
+            </a:extLst>
+          </p:cNvPr>
+          <p:cNvSpPr txBox="1"/>
+          <p:nvPr/>
+        </p:nvSpPr>
+        <p:spPr>
+          <a:xfrm>
+            <a:off x="13811250" y="1902346"/>
+            <a:ext cx="5200650" cy="2554545"/>
+          </a:xfrm>
+          <a:prstGeom prst="rect">
+            <a:avLst/>
+          </a:prstGeom>
+          <a:noFill/>
+        </p:spPr>
+        <p:txBody>
+          <a:bodyPr wrap="square" rtlCol="0">
+            <a:spAutoFit/>
+          </a:bodyPr>
+          <a:lstStyle/>
+          <a:p>
+            <a:pPr marL="285750" indent="-285750">
+              <a:buFont typeface="Arial" panose="020B0604020202020204" pitchFamily="34" charset="0"/>
+              <a:buChar char="•"/>
+            </a:pPr>
+            <a:r>
+              <a:rPr lang="en-US" sz="4000" dirty="0"/>
+              <a:t>Poor implementation</a:t>
+            </a:r>
+          </a:p>
+          <a:p>
+            <a:pPr marL="285750" indent="-285750">
+              <a:buFont typeface="Arial" panose="020B0604020202020204" pitchFamily="34" charset="0"/>
+              <a:buChar char="•"/>
+            </a:pPr>
+            <a:r>
+              <a:rPr lang="en-US" sz="4000" dirty="0"/>
+              <a:t>Insecure</a:t>
+            </a:r>
+          </a:p>
+          <a:p>
+            <a:pPr marL="285750" indent="-285750">
+              <a:buFont typeface="Arial" panose="020B0604020202020204" pitchFamily="34" charset="0"/>
+              <a:buChar char="•"/>
+            </a:pPr>
+            <a:r>
+              <a:rPr lang="en-US" sz="4000" dirty="0"/>
+              <a:t>Non-inclusive</a:t>
+            </a:r>
+          </a:p>
+          <a:p>
+            <a:pPr marL="285750" indent="-285750">
+              <a:buFont typeface="Arial" panose="020B0604020202020204" pitchFamily="34" charset="0"/>
+              <a:buChar char="•"/>
+            </a:pPr>
+            <a:r>
+              <a:rPr lang="en-US" sz="4000" dirty="0"/>
+              <a:t>Inaccessible</a:t>
+            </a:r>
+          </a:p>
+        </p:txBody>
+      </p:sp>
     </p:spTree>
     <p:extLst>
       <p:ext uri="{BB962C8B-B14F-4D97-AF65-F5344CB8AC3E}">
@@ -4513,10 +4652,292 @@
           </a:ln>
         </p:spPr>
       </p:pic>
+      <p:sp>
+        <p:nvSpPr>
+          <p:cNvPr id="7" name="TextBox 6">
+            <a:extLst>
+              <a:ext uri="{FF2B5EF4-FFF2-40B4-BE49-F238E27FC236}">
+                <a16:creationId xmlns:a16="http://schemas.microsoft.com/office/drawing/2014/main" id="{7B75B6B0-CBDC-4503-B83F-310F736F8CFA}"/>
+              </a:ext>
+            </a:extLst>
+          </p:cNvPr>
+          <p:cNvSpPr txBox="1"/>
+          <p:nvPr/>
+        </p:nvSpPr>
+        <p:spPr>
+          <a:xfrm>
+            <a:off x="7239000" y="1981200"/>
+            <a:ext cx="5200650" cy="2554545"/>
+          </a:xfrm>
+          <a:prstGeom prst="rect">
+            <a:avLst/>
+          </a:prstGeom>
+          <a:noFill/>
+        </p:spPr>
+        <p:txBody>
+          <a:bodyPr wrap="square" rtlCol="0">
+            <a:spAutoFit/>
+          </a:bodyPr>
+          <a:lstStyle/>
+          <a:p>
+            <a:pPr marL="285750" indent="-285750">
+              <a:buFont typeface="Arial" panose="020B0604020202020204" pitchFamily="34" charset="0"/>
+              <a:buChar char="•"/>
+            </a:pPr>
+            <a:r>
+              <a:rPr lang="en-US" sz="4000" dirty="0"/>
+              <a:t>Poor implementation</a:t>
+            </a:r>
+          </a:p>
+          <a:p>
+            <a:pPr marL="285750" indent="-285750">
+              <a:buFont typeface="Arial" panose="020B0604020202020204" pitchFamily="34" charset="0"/>
+              <a:buChar char="•"/>
+            </a:pPr>
+            <a:r>
+              <a:rPr lang="en-US" sz="4000" dirty="0"/>
+              <a:t>Insecure</a:t>
+            </a:r>
+          </a:p>
+          <a:p>
+            <a:pPr marL="285750" indent="-285750">
+              <a:buFont typeface="Arial" panose="020B0604020202020204" pitchFamily="34" charset="0"/>
+              <a:buChar char="•"/>
+            </a:pPr>
+            <a:r>
+              <a:rPr lang="en-US" sz="4000" dirty="0"/>
+              <a:t>Non-inclusive</a:t>
+            </a:r>
+          </a:p>
+          <a:p>
+            <a:pPr marL="285750" indent="-285750">
+              <a:buFont typeface="Arial" panose="020B0604020202020204" pitchFamily="34" charset="0"/>
+              <a:buChar char="•"/>
+            </a:pPr>
+            <a:r>
+              <a:rPr lang="en-US" sz="4000" dirty="0"/>
+              <a:t>Inaccessible</a:t>
+            </a:r>
+          </a:p>
+        </p:txBody>
+      </p:sp>
+      <p:sp>
+        <p:nvSpPr>
+          <p:cNvPr id="8" name="Title 1">
+            <a:extLst>
+              <a:ext uri="{FF2B5EF4-FFF2-40B4-BE49-F238E27FC236}">
+                <a16:creationId xmlns:a16="http://schemas.microsoft.com/office/drawing/2014/main" id="{D0898C16-A62F-4457-B3FC-59CDC65DF237}"/>
+              </a:ext>
+            </a:extLst>
+          </p:cNvPr>
+          <p:cNvSpPr>
+            <a:spLocks noGrp="1"/>
+          </p:cNvSpPr>
+          <p:nvPr>
+            <p:ph type="ctrTitle"/>
+          </p:nvPr>
+        </p:nvSpPr>
+        <p:spPr>
+          <a:xfrm>
+            <a:off x="1524000" y="-3944937"/>
+            <a:ext cx="9144000" cy="2387600"/>
+          </a:xfrm>
+        </p:spPr>
+        <p:txBody>
+          <a:bodyPr/>
+          <a:lstStyle/>
+          <a:p>
+            <a:r>
+              <a:rPr lang="en-US" dirty="0"/>
+              <a:t>Existing Solutions?</a:t>
+            </a:r>
+          </a:p>
+        </p:txBody>
+      </p:sp>
     </p:spTree>
     <p:extLst>
       <p:ext uri="{BB962C8B-B14F-4D97-AF65-F5344CB8AC3E}">
         <p14:creationId xmlns:p14="http://schemas.microsoft.com/office/powerpoint/2010/main" val="4065201735"/>
+      </p:ext>
+    </p:extLst>
+  </p:cSld>
+  <p:clrMapOvr>
+    <a:masterClrMapping/>
+  </p:clrMapOvr>
+  <mc:AlternateContent xmlns:mc="http://schemas.openxmlformats.org/markup-compatibility/2006">
+    <mc:Choice xmlns:p159="http://schemas.microsoft.com/office/powerpoint/2015/09/main" Requires="p159">
+      <p:transition xmlns:p14="http://schemas.microsoft.com/office/powerpoint/2010/main" p14:dur="250">
+        <p159:morph option="byObject"/>
+      </p:transition>
+    </mc:Choice>
+    <mc:Fallback>
+      <p:transition>
+        <p:fade/>
+      </p:transition>
+    </mc:Fallback>
+  </mc:AlternateContent>
+</p:sld>
+</file>
+
+<file path=ppt/slides/slide7.xml><?xml version="1.0" encoding="utf-8"?>
+<p:sld xmlns:a="http://schemas.openxmlformats.org/drawingml/2006/main" xmlns:r="http://schemas.openxmlformats.org/officeDocument/2006/relationships" xmlns:p="http://schemas.openxmlformats.org/presentationml/2006/main">
+  <p:cSld>
+    <p:spTree>
+      <p:nvGrpSpPr>
+        <p:cNvPr id="1" name=""/>
+        <p:cNvGrpSpPr/>
+        <p:nvPr/>
+      </p:nvGrpSpPr>
+      <p:grpSpPr>
+        <a:xfrm>
+          <a:off x="0" y="0"/>
+          <a:ext cx="0" cy="0"/>
+          <a:chOff x="0" y="0"/>
+          <a:chExt cx="0" cy="0"/>
+        </a:xfrm>
+      </p:grpSpPr>
+      <p:sp>
+        <p:nvSpPr>
+          <p:cNvPr id="3" name="Rectangle 2">
+            <a:extLst>
+              <a:ext uri="{FF2B5EF4-FFF2-40B4-BE49-F238E27FC236}">
+                <a16:creationId xmlns:a16="http://schemas.microsoft.com/office/drawing/2014/main" id="{8FADD061-B100-4BCD-90F1-9434BC892479}"/>
+              </a:ext>
+            </a:extLst>
+          </p:cNvPr>
+          <p:cNvSpPr/>
+          <p:nvPr/>
+        </p:nvSpPr>
+        <p:spPr>
+          <a:xfrm>
+            <a:off x="-6531190" y="5873234"/>
+            <a:ext cx="3918380" cy="369332"/>
+          </a:xfrm>
+          <a:prstGeom prst="rect">
+            <a:avLst/>
+          </a:prstGeom>
+        </p:spPr>
+        <p:txBody>
+          <a:bodyPr wrap="none">
+            <a:spAutoFit/>
+          </a:bodyPr>
+          <a:lstStyle/>
+          <a:p>
+            <a:r>
+              <a:rPr lang="en-US" dirty="0"/>
+              <a:t>http://www.condomfinder.org/find.php</a:t>
+            </a:r>
+          </a:p>
+        </p:txBody>
+      </p:sp>
+      <p:pic>
+        <p:nvPicPr>
+          <p:cNvPr id="6" name="Picture 5">
+            <a:extLst>
+              <a:ext uri="{FF2B5EF4-FFF2-40B4-BE49-F238E27FC236}">
+                <a16:creationId xmlns:a16="http://schemas.microsoft.com/office/drawing/2014/main" id="{290C382B-6850-4C4A-BC86-AE4E8A62A87C}"/>
+              </a:ext>
+            </a:extLst>
+          </p:cNvPr>
+          <p:cNvPicPr>
+            <a:picLocks noChangeAspect="1"/>
+          </p:cNvPicPr>
+          <p:nvPr/>
+        </p:nvPicPr>
+        <p:blipFill>
+          <a:blip r:embed="rId2"/>
+          <a:stretch>
+            <a:fillRect/>
+          </a:stretch>
+        </p:blipFill>
+        <p:spPr>
+          <a:xfrm>
+            <a:off x="-7829550" y="682482"/>
+            <a:ext cx="6515100" cy="5112036"/>
+          </a:xfrm>
+          <a:prstGeom prst="rect">
+            <a:avLst/>
+          </a:prstGeom>
+          <a:ln w="38100" cap="rnd">
+            <a:solidFill>
+              <a:schemeClr val="tx1"/>
+            </a:solidFill>
+          </a:ln>
+        </p:spPr>
+      </p:pic>
+      <p:sp>
+        <p:nvSpPr>
+          <p:cNvPr id="7" name="TextBox 6">
+            <a:extLst>
+              <a:ext uri="{FF2B5EF4-FFF2-40B4-BE49-F238E27FC236}">
+                <a16:creationId xmlns:a16="http://schemas.microsoft.com/office/drawing/2014/main" id="{7B75B6B0-CBDC-4503-B83F-310F736F8CFA}"/>
+              </a:ext>
+            </a:extLst>
+          </p:cNvPr>
+          <p:cNvSpPr txBox="1"/>
+          <p:nvPr/>
+        </p:nvSpPr>
+        <p:spPr>
+          <a:xfrm>
+            <a:off x="15030450" y="1981200"/>
+            <a:ext cx="5200650" cy="2554545"/>
+          </a:xfrm>
+          <a:prstGeom prst="rect">
+            <a:avLst/>
+          </a:prstGeom>
+          <a:noFill/>
+        </p:spPr>
+        <p:txBody>
+          <a:bodyPr wrap="square" rtlCol="0">
+            <a:spAutoFit/>
+          </a:bodyPr>
+          <a:lstStyle/>
+          <a:p>
+            <a:pPr marL="285750" indent="-285750">
+              <a:buFont typeface="Arial" panose="020B0604020202020204" pitchFamily="34" charset="0"/>
+              <a:buChar char="•"/>
+            </a:pPr>
+            <a:r>
+              <a:rPr lang="en-US" sz="4000" dirty="0"/>
+              <a:t>Poor implementation</a:t>
+            </a:r>
+          </a:p>
+          <a:p>
+            <a:pPr marL="285750" indent="-285750">
+              <a:buFont typeface="Arial" panose="020B0604020202020204" pitchFamily="34" charset="0"/>
+              <a:buChar char="•"/>
+            </a:pPr>
+            <a:r>
+              <a:rPr lang="en-US" sz="4000" dirty="0"/>
+              <a:t>Insecure</a:t>
+            </a:r>
+          </a:p>
+          <a:p>
+            <a:pPr marL="285750" indent="-285750">
+              <a:buFont typeface="Arial" panose="020B0604020202020204" pitchFamily="34" charset="0"/>
+              <a:buChar char="•"/>
+            </a:pPr>
+            <a:r>
+              <a:rPr lang="en-US" sz="4000" dirty="0"/>
+              <a:t>Non-inclusive</a:t>
+            </a:r>
+          </a:p>
+          <a:p>
+            <a:pPr marL="285750" indent="-285750">
+              <a:buFont typeface="Arial" panose="020B0604020202020204" pitchFamily="34" charset="0"/>
+              <a:buChar char="•"/>
+            </a:pPr>
+            <a:r>
+              <a:rPr lang="en-US" sz="4000" dirty="0"/>
+              <a:t>Inaccessible</a:t>
+            </a:r>
+          </a:p>
+        </p:txBody>
+      </p:sp>
+    </p:spTree>
+    <p:extLst>
+      <p:ext uri="{BB962C8B-B14F-4D97-AF65-F5344CB8AC3E}">
+        <p14:creationId xmlns:p14="http://schemas.microsoft.com/office/powerpoint/2010/main" val="2996313761"/>
       </p:ext>
     </p:extLst>
   </p:cSld>

--- a/Presentation.pptx
+++ b/Presentation.pptx
@@ -12,6 +12,16 @@
     <p:sldId id="264" r:id="rId6"/>
     <p:sldId id="265" r:id="rId7"/>
     <p:sldId id="266" r:id="rId8"/>
+    <p:sldId id="267" r:id="rId9"/>
+    <p:sldId id="268" r:id="rId10"/>
+    <p:sldId id="270" r:id="rId11"/>
+    <p:sldId id="271" r:id="rId12"/>
+    <p:sldId id="272" r:id="rId13"/>
+    <p:sldId id="273" r:id="rId14"/>
+    <p:sldId id="274" r:id="rId15"/>
+    <p:sldId id="275" r:id="rId16"/>
+    <p:sldId id="276" r:id="rId17"/>
+    <p:sldId id="278" r:id="rId18"/>
   </p:sldIdLst>
   <p:sldSz cx="12192000" cy="6858000"/>
   <p:notesSz cx="6858000" cy="9144000"/>
@@ -304,7 +314,7 @@
   </p:clrMapOvr>
   <mc:AlternateContent xmlns:mc="http://schemas.openxmlformats.org/markup-compatibility/2006">
     <mc:Choice xmlns:p159="http://schemas.microsoft.com/office/powerpoint/2015/09/main" Requires="p159">
-      <p:transition xmlns:p14="http://schemas.microsoft.com/office/powerpoint/2010/main" p14:dur="250">
+      <p:transition>
         <p159:morph option="byObject"/>
       </p:transition>
     </mc:Choice>
@@ -486,7 +496,7 @@
   </p:clrMapOvr>
   <mc:AlternateContent xmlns:mc="http://schemas.openxmlformats.org/markup-compatibility/2006">
     <mc:Choice xmlns:p159="http://schemas.microsoft.com/office/powerpoint/2015/09/main" Requires="p159">
-      <p:transition xmlns:p14="http://schemas.microsoft.com/office/powerpoint/2010/main" p14:dur="250">
+      <p:transition>
         <p159:morph option="byObject"/>
       </p:transition>
     </mc:Choice>
@@ -678,7 +688,7 @@
   </p:clrMapOvr>
   <mc:AlternateContent xmlns:mc="http://schemas.openxmlformats.org/markup-compatibility/2006">
     <mc:Choice xmlns:p159="http://schemas.microsoft.com/office/powerpoint/2015/09/main" Requires="p159">
-      <p:transition xmlns:p14="http://schemas.microsoft.com/office/powerpoint/2010/main" p14:dur="250">
+      <p:transition>
         <p159:morph option="byObject"/>
       </p:transition>
     </mc:Choice>
@@ -860,7 +870,7 @@
   </p:clrMapOvr>
   <mc:AlternateContent xmlns:mc="http://schemas.openxmlformats.org/markup-compatibility/2006">
     <mc:Choice xmlns:p159="http://schemas.microsoft.com/office/powerpoint/2015/09/main" Requires="p159">
-      <p:transition xmlns:p14="http://schemas.microsoft.com/office/powerpoint/2010/main" p14:dur="250">
+      <p:transition>
         <p159:morph option="byObject"/>
       </p:transition>
     </mc:Choice>
@@ -1118,7 +1128,7 @@
   </p:clrMapOvr>
   <mc:AlternateContent xmlns:mc="http://schemas.openxmlformats.org/markup-compatibility/2006">
     <mc:Choice xmlns:p159="http://schemas.microsoft.com/office/powerpoint/2015/09/main" Requires="p159">
-      <p:transition xmlns:p14="http://schemas.microsoft.com/office/powerpoint/2010/main" p14:dur="250">
+      <p:transition>
         <p159:morph option="byObject"/>
       </p:transition>
     </mc:Choice>
@@ -1362,7 +1372,7 @@
   </p:clrMapOvr>
   <mc:AlternateContent xmlns:mc="http://schemas.openxmlformats.org/markup-compatibility/2006">
     <mc:Choice xmlns:p159="http://schemas.microsoft.com/office/powerpoint/2015/09/main" Requires="p159">
-      <p:transition xmlns:p14="http://schemas.microsoft.com/office/powerpoint/2010/main" p14:dur="250">
+      <p:transition>
         <p159:morph option="byObject"/>
       </p:transition>
     </mc:Choice>
@@ -1741,7 +1751,7 @@
   </p:clrMapOvr>
   <mc:AlternateContent xmlns:mc="http://schemas.openxmlformats.org/markup-compatibility/2006">
     <mc:Choice xmlns:p159="http://schemas.microsoft.com/office/powerpoint/2015/09/main" Requires="p159">
-      <p:transition xmlns:p14="http://schemas.microsoft.com/office/powerpoint/2010/main" p14:dur="250">
+      <p:transition>
         <p159:morph option="byObject"/>
       </p:transition>
     </mc:Choice>
@@ -1871,7 +1881,7 @@
   </p:clrMapOvr>
   <mc:AlternateContent xmlns:mc="http://schemas.openxmlformats.org/markup-compatibility/2006">
     <mc:Choice xmlns:p159="http://schemas.microsoft.com/office/powerpoint/2015/09/main" Requires="p159">
-      <p:transition xmlns:p14="http://schemas.microsoft.com/office/powerpoint/2010/main" p14:dur="250">
+      <p:transition>
         <p159:morph option="byObject"/>
       </p:transition>
     </mc:Choice>
@@ -1978,7 +1988,7 @@
   </p:clrMapOvr>
   <mc:AlternateContent xmlns:mc="http://schemas.openxmlformats.org/markup-compatibility/2006">
     <mc:Choice xmlns:p159="http://schemas.microsoft.com/office/powerpoint/2015/09/main" Requires="p159">
-      <p:transition xmlns:p14="http://schemas.microsoft.com/office/powerpoint/2010/main" p14:dur="250">
+      <p:transition>
         <p159:morph option="byObject"/>
       </p:transition>
     </mc:Choice>
@@ -2267,7 +2277,7 @@
   </p:clrMapOvr>
   <mc:AlternateContent xmlns:mc="http://schemas.openxmlformats.org/markup-compatibility/2006">
     <mc:Choice xmlns:p159="http://schemas.microsoft.com/office/powerpoint/2015/09/main" Requires="p159">
-      <p:transition xmlns:p14="http://schemas.microsoft.com/office/powerpoint/2010/main" p14:dur="250">
+      <p:transition>
         <p159:morph option="byObject"/>
       </p:transition>
     </mc:Choice>
@@ -2536,7 +2546,7 @@
   </p:clrMapOvr>
   <mc:AlternateContent xmlns:mc="http://schemas.openxmlformats.org/markup-compatibility/2006">
     <mc:Choice xmlns:p159="http://schemas.microsoft.com/office/powerpoint/2015/09/main" Requires="p159">
-      <p:transition xmlns:p14="http://schemas.microsoft.com/office/powerpoint/2010/main" p14:dur="250">
+      <p:transition>
         <p159:morph option="byObject"/>
       </p:transition>
     </mc:Choice>
@@ -2808,7 +2818,7 @@
   </p:sldLayoutIdLst>
   <mc:AlternateContent xmlns:mc="http://schemas.openxmlformats.org/markup-compatibility/2006">
     <mc:Choice xmlns:p159="http://schemas.microsoft.com/office/powerpoint/2015/09/main" Requires="p159">
-      <p:transition xmlns:p14="http://schemas.microsoft.com/office/powerpoint/2010/main" p14:dur="250">
+      <p:transition>
         <p159:morph option="byObject"/>
       </p:transition>
     </mc:Choice>
@@ -3481,7 +3491,2416 @@
   </p:clrMapOvr>
   <mc:AlternateContent xmlns:mc="http://schemas.openxmlformats.org/markup-compatibility/2006">
     <mc:Choice xmlns:p159="http://schemas.microsoft.com/office/powerpoint/2015/09/main" Requires="p159">
-      <p:transition xmlns:p14="http://schemas.microsoft.com/office/powerpoint/2010/main" p14:dur="250">
+      <p:transition>
+        <p159:morph option="byObject"/>
+      </p:transition>
+    </mc:Choice>
+    <mc:Fallback>
+      <p:transition>
+        <p:fade/>
+      </p:transition>
+    </mc:Fallback>
+  </mc:AlternateContent>
+</p:sld>
+</file>
+
+<file path=ppt/slides/slide10.xml><?xml version="1.0" encoding="utf-8"?>
+<p:sld xmlns:a="http://schemas.openxmlformats.org/drawingml/2006/main" xmlns:r="http://schemas.openxmlformats.org/officeDocument/2006/relationships" xmlns:p="http://schemas.openxmlformats.org/presentationml/2006/main">
+  <p:cSld>
+    <p:spTree>
+      <p:nvGrpSpPr>
+        <p:cNvPr id="1" name=""/>
+        <p:cNvGrpSpPr/>
+        <p:nvPr/>
+      </p:nvGrpSpPr>
+      <p:grpSpPr>
+        <a:xfrm>
+          <a:off x="0" y="0"/>
+          <a:ext cx="0" cy="0"/>
+          <a:chOff x="0" y="0"/>
+          <a:chExt cx="0" cy="0"/>
+        </a:xfrm>
+      </p:grpSpPr>
+      <p:sp>
+        <p:nvSpPr>
+          <p:cNvPr id="2" name="Title 1">
+            <a:extLst>
+              <a:ext uri="{FF2B5EF4-FFF2-40B4-BE49-F238E27FC236}">
+                <a16:creationId xmlns:a16="http://schemas.microsoft.com/office/drawing/2014/main" id="{0C231BAF-F160-47DF-B916-EC9F21C803E6}"/>
+              </a:ext>
+            </a:extLst>
+          </p:cNvPr>
+          <p:cNvSpPr>
+            <a:spLocks noGrp="1"/>
+          </p:cNvSpPr>
+          <p:nvPr>
+            <p:ph type="ctrTitle"/>
+          </p:nvPr>
+        </p:nvSpPr>
+        <p:spPr/>
+        <p:txBody>
+          <a:bodyPr/>
+          <a:lstStyle/>
+          <a:p>
+            <a:r>
+              <a:rPr lang="en-US" dirty="0"/>
+              <a:t>Stakeholders</a:t>
+            </a:r>
+          </a:p>
+        </p:txBody>
+      </p:sp>
+      <p:sp>
+        <p:nvSpPr>
+          <p:cNvPr id="4" name="TextBox 3">
+            <a:extLst>
+              <a:ext uri="{FF2B5EF4-FFF2-40B4-BE49-F238E27FC236}">
+                <a16:creationId xmlns:a16="http://schemas.microsoft.com/office/drawing/2014/main" id="{8C2802A8-1067-4B98-8397-6A163117C567}"/>
+              </a:ext>
+            </a:extLst>
+          </p:cNvPr>
+          <p:cNvSpPr txBox="1"/>
+          <p:nvPr/>
+        </p:nvSpPr>
+        <p:spPr>
+          <a:xfrm>
+            <a:off x="661726" y="-6635413"/>
+            <a:ext cx="2810385" cy="707886"/>
+          </a:xfrm>
+          <a:prstGeom prst="rect">
+            <a:avLst/>
+          </a:prstGeom>
+          <a:noFill/>
+        </p:spPr>
+        <p:txBody>
+          <a:bodyPr wrap="none" rtlCol="0">
+            <a:spAutoFit/>
+          </a:bodyPr>
+          <a:lstStyle/>
+          <a:p>
+            <a:r>
+              <a:rPr lang="en-US" sz="4000" dirty="0"/>
+              <a:t>Our Solution</a:t>
+            </a:r>
+          </a:p>
+        </p:txBody>
+      </p:sp>
+      <p:pic>
+        <p:nvPicPr>
+          <p:cNvPr id="5" name="Picture 4">
+            <a:extLst>
+              <a:ext uri="{FF2B5EF4-FFF2-40B4-BE49-F238E27FC236}">
+                <a16:creationId xmlns:a16="http://schemas.microsoft.com/office/drawing/2014/main" id="{34656267-D6D6-4936-9ADB-B770CF53967F}"/>
+              </a:ext>
+            </a:extLst>
+          </p:cNvPr>
+          <p:cNvPicPr>
+            <a:picLocks noChangeAspect="1"/>
+          </p:cNvPicPr>
+          <p:nvPr/>
+        </p:nvPicPr>
+        <p:blipFill>
+          <a:blip r:embed="rId2">
+            <a:extLst>
+              <a:ext uri="{28A0092B-C50C-407E-A947-70E740481C1C}">
+                <a14:useLocalDpi xmlns:a14="http://schemas.microsoft.com/office/drawing/2010/main" val="0"/>
+              </a:ext>
+            </a:extLst>
+          </a:blip>
+          <a:stretch>
+            <a:fillRect/>
+          </a:stretch>
+        </p:blipFill>
+        <p:spPr>
+          <a:xfrm>
+            <a:off x="661726" y="-5725801"/>
+            <a:ext cx="2895600" cy="5160314"/>
+          </a:xfrm>
+          <a:prstGeom prst="rect">
+            <a:avLst/>
+          </a:prstGeom>
+        </p:spPr>
+      </p:pic>
+      <p:sp>
+        <p:nvSpPr>
+          <p:cNvPr id="6" name="Rectangle 5">
+            <a:extLst>
+              <a:ext uri="{FF2B5EF4-FFF2-40B4-BE49-F238E27FC236}">
+                <a16:creationId xmlns:a16="http://schemas.microsoft.com/office/drawing/2014/main" id="{0898EDCF-EDEC-4A8D-A8BB-82228BDC3DED}"/>
+              </a:ext>
+            </a:extLst>
+          </p:cNvPr>
+          <p:cNvSpPr/>
+          <p:nvPr/>
+        </p:nvSpPr>
+        <p:spPr>
+          <a:xfrm>
+            <a:off x="3790950" y="-6185773"/>
+            <a:ext cx="8382000" cy="5170646"/>
+          </a:xfrm>
+          <a:prstGeom prst="rect">
+            <a:avLst/>
+          </a:prstGeom>
+        </p:spPr>
+        <p:txBody>
+          <a:bodyPr wrap="square">
+            <a:spAutoFit/>
+          </a:bodyPr>
+          <a:lstStyle/>
+          <a:p>
+            <a:pPr marL="285750" indent="-285750">
+              <a:buFont typeface="Arial" panose="020B0604020202020204" pitchFamily="34" charset="0"/>
+              <a:buChar char="•"/>
+            </a:pPr>
+            <a:r>
+              <a:rPr lang="en-US" sz="3000" dirty="0"/>
+              <a:t>Information hub for resources in the about page</a:t>
+            </a:r>
+          </a:p>
+          <a:p>
+            <a:pPr marL="285750" indent="-285750">
+              <a:buFont typeface="Arial" panose="020B0604020202020204" pitchFamily="34" charset="0"/>
+              <a:buChar char="•"/>
+            </a:pPr>
+            <a:r>
+              <a:rPr lang="en-US" sz="3000" dirty="0"/>
+              <a:t>Simple</a:t>
+            </a:r>
+          </a:p>
+          <a:p>
+            <a:pPr marL="285750" indent="-285750">
+              <a:buFont typeface="Arial" panose="020B0604020202020204" pitchFamily="34" charset="0"/>
+              <a:buChar char="•"/>
+            </a:pPr>
+            <a:r>
+              <a:rPr lang="en-US" sz="3000" dirty="0"/>
+              <a:t>Fast loading application due to small build file size</a:t>
+            </a:r>
+          </a:p>
+          <a:p>
+            <a:pPr marL="285750" indent="-285750">
+              <a:buFont typeface="Arial" panose="020B0604020202020204" pitchFamily="34" charset="0"/>
+              <a:buChar char="•"/>
+            </a:pPr>
+            <a:r>
+              <a:rPr lang="en-US" sz="3000" dirty="0"/>
+              <a:t>Quick lookups for addresses and loading data using Google Firebase and Google Cloud Geolocation API</a:t>
+            </a:r>
+          </a:p>
+          <a:p>
+            <a:pPr marL="285750" indent="-285750">
+              <a:buFont typeface="Arial" panose="020B0604020202020204" pitchFamily="34" charset="0"/>
+              <a:buChar char="•"/>
+            </a:pPr>
+            <a:r>
+              <a:rPr lang="en-US" sz="3000" dirty="0"/>
+              <a:t>Easy to use filtering system for information</a:t>
+            </a:r>
+          </a:p>
+          <a:p>
+            <a:pPr marL="285750" indent="-285750">
+              <a:buFont typeface="Arial" panose="020B0604020202020204" pitchFamily="34" charset="0"/>
+              <a:buChar char="•"/>
+            </a:pPr>
+            <a:r>
+              <a:rPr lang="en-US" sz="3000" dirty="0"/>
+              <a:t>Socially mediated using a system similar to Waze, where people self report. They can upvote and downvote</a:t>
+            </a:r>
+          </a:p>
+          <a:p>
+            <a:pPr marL="285750" indent="-285750">
+              <a:buFont typeface="Arial" panose="020B0604020202020204" pitchFamily="34" charset="0"/>
+              <a:buChar char="•"/>
+            </a:pPr>
+            <a:r>
+              <a:rPr lang="en-US" sz="3000" dirty="0"/>
+              <a:t>Desktop and mobile friendly</a:t>
+            </a:r>
+          </a:p>
+          <a:p>
+            <a:pPr marL="285750" indent="-285750">
+              <a:buFont typeface="Arial" panose="020B0604020202020204" pitchFamily="34" charset="0"/>
+              <a:buChar char="•"/>
+            </a:pPr>
+            <a:r>
+              <a:rPr lang="en-US" sz="3000" dirty="0"/>
+              <a:t>Scalable</a:t>
+            </a:r>
+          </a:p>
+        </p:txBody>
+      </p:sp>
+    </p:spTree>
+    <p:extLst>
+      <p:ext uri="{BB962C8B-B14F-4D97-AF65-F5344CB8AC3E}">
+        <p14:creationId xmlns:p14="http://schemas.microsoft.com/office/powerpoint/2010/main" val="1323930809"/>
+      </p:ext>
+    </p:extLst>
+  </p:cSld>
+  <p:clrMapOvr>
+    <a:masterClrMapping/>
+  </p:clrMapOvr>
+  <mc:AlternateContent xmlns:mc="http://schemas.openxmlformats.org/markup-compatibility/2006">
+    <mc:Choice xmlns:p159="http://schemas.microsoft.com/office/powerpoint/2015/09/main" Requires="p159">
+      <p:transition>
+        <p159:morph option="byObject"/>
+      </p:transition>
+    </mc:Choice>
+    <mc:Fallback>
+      <p:transition>
+        <p:fade/>
+      </p:transition>
+    </mc:Fallback>
+  </mc:AlternateContent>
+</p:sld>
+</file>
+
+<file path=ppt/slides/slide11.xml><?xml version="1.0" encoding="utf-8"?>
+<p:sld xmlns:a="http://schemas.openxmlformats.org/drawingml/2006/main" xmlns:r="http://schemas.openxmlformats.org/officeDocument/2006/relationships" xmlns:p="http://schemas.openxmlformats.org/presentationml/2006/main">
+  <p:cSld>
+    <p:spTree>
+      <p:nvGrpSpPr>
+        <p:cNvPr id="1" name=""/>
+        <p:cNvGrpSpPr/>
+        <p:nvPr/>
+      </p:nvGrpSpPr>
+      <p:grpSpPr>
+        <a:xfrm>
+          <a:off x="0" y="0"/>
+          <a:ext cx="0" cy="0"/>
+          <a:chOff x="0" y="0"/>
+          <a:chExt cx="0" cy="0"/>
+        </a:xfrm>
+      </p:grpSpPr>
+      <p:sp>
+        <p:nvSpPr>
+          <p:cNvPr id="2" name="Title 1">
+            <a:extLst>
+              <a:ext uri="{FF2B5EF4-FFF2-40B4-BE49-F238E27FC236}">
+                <a16:creationId xmlns:a16="http://schemas.microsoft.com/office/drawing/2014/main" id="{8319EEAA-D45E-4261-8780-D2A225DFBF63}"/>
+              </a:ext>
+            </a:extLst>
+          </p:cNvPr>
+          <p:cNvSpPr>
+            <a:spLocks noGrp="1"/>
+          </p:cNvSpPr>
+          <p:nvPr>
+            <p:ph type="title"/>
+          </p:nvPr>
+        </p:nvSpPr>
+        <p:spPr/>
+        <p:txBody>
+          <a:bodyPr/>
+          <a:lstStyle/>
+          <a:p>
+            <a:r>
+              <a:rPr lang="en-US" dirty="0"/>
+              <a:t>Stakeholders – Young Adults</a:t>
+            </a:r>
+          </a:p>
+        </p:txBody>
+      </p:sp>
+      <p:sp>
+        <p:nvSpPr>
+          <p:cNvPr id="3" name="Content Placeholder 2">
+            <a:extLst>
+              <a:ext uri="{FF2B5EF4-FFF2-40B4-BE49-F238E27FC236}">
+                <a16:creationId xmlns:a16="http://schemas.microsoft.com/office/drawing/2014/main" id="{39AA1B48-EE50-4C30-88A7-57C71942B964}"/>
+              </a:ext>
+            </a:extLst>
+          </p:cNvPr>
+          <p:cNvSpPr>
+            <a:spLocks noGrp="1"/>
+          </p:cNvSpPr>
+          <p:nvPr>
+            <p:ph idx="1"/>
+          </p:nvPr>
+        </p:nvSpPr>
+        <p:spPr/>
+        <p:txBody>
+          <a:bodyPr/>
+          <a:lstStyle/>
+          <a:p>
+            <a:r>
+              <a:rPr lang="en-US" dirty="0"/>
+              <a:t>Social media from upvotes/downvotes</a:t>
+            </a:r>
+          </a:p>
+          <a:p>
+            <a:r>
+              <a:rPr lang="en-US" dirty="0"/>
+              <a:t>Website instead of downloadable application</a:t>
+            </a:r>
+          </a:p>
+        </p:txBody>
+      </p:sp>
+    </p:spTree>
+    <p:extLst>
+      <p:ext uri="{BB962C8B-B14F-4D97-AF65-F5344CB8AC3E}">
+        <p14:creationId xmlns:p14="http://schemas.microsoft.com/office/powerpoint/2010/main" val="411021414"/>
+      </p:ext>
+    </p:extLst>
+  </p:cSld>
+  <p:clrMapOvr>
+    <a:masterClrMapping/>
+  </p:clrMapOvr>
+  <mc:AlternateContent xmlns:mc="http://schemas.openxmlformats.org/markup-compatibility/2006">
+    <mc:Choice xmlns:p159="http://schemas.microsoft.com/office/powerpoint/2015/09/main" Requires="p159">
+      <p:transition>
+        <p159:morph option="byObject"/>
+      </p:transition>
+    </mc:Choice>
+    <mc:Fallback>
+      <p:transition>
+        <p:fade/>
+      </p:transition>
+    </mc:Fallback>
+  </mc:AlternateContent>
+</p:sld>
+</file>
+
+<file path=ppt/slides/slide12.xml><?xml version="1.0" encoding="utf-8"?>
+<p:sld xmlns:a="http://schemas.openxmlformats.org/drawingml/2006/main" xmlns:r="http://schemas.openxmlformats.org/officeDocument/2006/relationships" xmlns:p="http://schemas.openxmlformats.org/presentationml/2006/main">
+  <p:cSld>
+    <p:spTree>
+      <p:nvGrpSpPr>
+        <p:cNvPr id="1" name=""/>
+        <p:cNvGrpSpPr/>
+        <p:nvPr/>
+      </p:nvGrpSpPr>
+      <p:grpSpPr>
+        <a:xfrm>
+          <a:off x="0" y="0"/>
+          <a:ext cx="0" cy="0"/>
+          <a:chOff x="0" y="0"/>
+          <a:chExt cx="0" cy="0"/>
+        </a:xfrm>
+      </p:grpSpPr>
+      <p:sp>
+        <p:nvSpPr>
+          <p:cNvPr id="2" name="Title 1">
+            <a:extLst>
+              <a:ext uri="{FF2B5EF4-FFF2-40B4-BE49-F238E27FC236}">
+                <a16:creationId xmlns:a16="http://schemas.microsoft.com/office/drawing/2014/main" id="{8319EEAA-D45E-4261-8780-D2A225DFBF63}"/>
+              </a:ext>
+            </a:extLst>
+          </p:cNvPr>
+          <p:cNvSpPr>
+            <a:spLocks noGrp="1"/>
+          </p:cNvSpPr>
+          <p:nvPr>
+            <p:ph type="title"/>
+          </p:nvPr>
+        </p:nvSpPr>
+        <p:spPr/>
+        <p:txBody>
+          <a:bodyPr/>
+          <a:lstStyle/>
+          <a:p>
+            <a:r>
+              <a:rPr lang="en-US" dirty="0"/>
+              <a:t>Stakeholders – Rural Areas</a:t>
+            </a:r>
+          </a:p>
+        </p:txBody>
+      </p:sp>
+      <p:sp>
+        <p:nvSpPr>
+          <p:cNvPr id="3" name="Content Placeholder 2">
+            <a:extLst>
+              <a:ext uri="{FF2B5EF4-FFF2-40B4-BE49-F238E27FC236}">
+                <a16:creationId xmlns:a16="http://schemas.microsoft.com/office/drawing/2014/main" id="{39AA1B48-EE50-4C30-88A7-57C71942B964}"/>
+              </a:ext>
+            </a:extLst>
+          </p:cNvPr>
+          <p:cNvSpPr>
+            <a:spLocks noGrp="1"/>
+          </p:cNvSpPr>
+          <p:nvPr>
+            <p:ph idx="1"/>
+          </p:nvPr>
+        </p:nvSpPr>
+        <p:spPr/>
+        <p:txBody>
+          <a:bodyPr/>
+          <a:lstStyle/>
+          <a:p>
+            <a:r>
+              <a:rPr lang="en-US" dirty="0"/>
+              <a:t>Build to be fast and reliable using code splitting</a:t>
+            </a:r>
+          </a:p>
+          <a:p>
+            <a:r>
+              <a:rPr lang="en-US" dirty="0"/>
+              <a:t>Fast to download, fast to get to interactive</a:t>
+            </a:r>
+          </a:p>
+        </p:txBody>
+      </p:sp>
+    </p:spTree>
+    <p:extLst>
+      <p:ext uri="{BB962C8B-B14F-4D97-AF65-F5344CB8AC3E}">
+        <p14:creationId xmlns:p14="http://schemas.microsoft.com/office/powerpoint/2010/main" val="3610264163"/>
+      </p:ext>
+    </p:extLst>
+  </p:cSld>
+  <p:clrMapOvr>
+    <a:masterClrMapping/>
+  </p:clrMapOvr>
+  <mc:AlternateContent xmlns:mc="http://schemas.openxmlformats.org/markup-compatibility/2006">
+    <mc:Choice xmlns:p159="http://schemas.microsoft.com/office/powerpoint/2015/09/main" Requires="p159">
+      <p:transition>
+        <p159:morph option="byObject"/>
+      </p:transition>
+    </mc:Choice>
+    <mc:Fallback>
+      <p:transition>
+        <p:fade/>
+      </p:transition>
+    </mc:Fallback>
+  </mc:AlternateContent>
+</p:sld>
+</file>
+
+<file path=ppt/slides/slide13.xml><?xml version="1.0" encoding="utf-8"?>
+<p:sld xmlns:a="http://schemas.openxmlformats.org/drawingml/2006/main" xmlns:r="http://schemas.openxmlformats.org/officeDocument/2006/relationships" xmlns:p="http://schemas.openxmlformats.org/presentationml/2006/main">
+  <p:cSld>
+    <p:spTree>
+      <p:nvGrpSpPr>
+        <p:cNvPr id="1" name=""/>
+        <p:cNvGrpSpPr/>
+        <p:nvPr/>
+      </p:nvGrpSpPr>
+      <p:grpSpPr>
+        <a:xfrm>
+          <a:off x="0" y="0"/>
+          <a:ext cx="0" cy="0"/>
+          <a:chOff x="0" y="0"/>
+          <a:chExt cx="0" cy="0"/>
+        </a:xfrm>
+      </p:grpSpPr>
+      <p:sp>
+        <p:nvSpPr>
+          <p:cNvPr id="2" name="Title 1">
+            <a:extLst>
+              <a:ext uri="{FF2B5EF4-FFF2-40B4-BE49-F238E27FC236}">
+                <a16:creationId xmlns:a16="http://schemas.microsoft.com/office/drawing/2014/main" id="{8319EEAA-D45E-4261-8780-D2A225DFBF63}"/>
+              </a:ext>
+            </a:extLst>
+          </p:cNvPr>
+          <p:cNvSpPr>
+            <a:spLocks noGrp="1"/>
+          </p:cNvSpPr>
+          <p:nvPr>
+            <p:ph type="title"/>
+          </p:nvPr>
+        </p:nvSpPr>
+        <p:spPr/>
+        <p:txBody>
+          <a:bodyPr/>
+          <a:lstStyle/>
+          <a:p>
+            <a:r>
+              <a:rPr lang="en-US" dirty="0"/>
+              <a:t>Stakeholders – Non tech-savvy</a:t>
+            </a:r>
+          </a:p>
+        </p:txBody>
+      </p:sp>
+      <p:sp>
+        <p:nvSpPr>
+          <p:cNvPr id="3" name="Content Placeholder 2">
+            <a:extLst>
+              <a:ext uri="{FF2B5EF4-FFF2-40B4-BE49-F238E27FC236}">
+                <a16:creationId xmlns:a16="http://schemas.microsoft.com/office/drawing/2014/main" id="{39AA1B48-EE50-4C30-88A7-57C71942B964}"/>
+              </a:ext>
+            </a:extLst>
+          </p:cNvPr>
+          <p:cNvSpPr>
+            <a:spLocks noGrp="1"/>
+          </p:cNvSpPr>
+          <p:nvPr>
+            <p:ph idx="1"/>
+          </p:nvPr>
+        </p:nvSpPr>
+        <p:spPr/>
+        <p:txBody>
+          <a:bodyPr/>
+          <a:lstStyle/>
+          <a:p>
+            <a:r>
+              <a:rPr lang="en-US" dirty="0"/>
+              <a:t>Simple</a:t>
+            </a:r>
+          </a:p>
+        </p:txBody>
+      </p:sp>
+    </p:spTree>
+    <p:extLst>
+      <p:ext uri="{BB962C8B-B14F-4D97-AF65-F5344CB8AC3E}">
+        <p14:creationId xmlns:p14="http://schemas.microsoft.com/office/powerpoint/2010/main" val="1136693151"/>
+      </p:ext>
+    </p:extLst>
+  </p:cSld>
+  <p:clrMapOvr>
+    <a:masterClrMapping/>
+  </p:clrMapOvr>
+  <mc:AlternateContent xmlns:mc="http://schemas.openxmlformats.org/markup-compatibility/2006">
+    <mc:Choice xmlns:p159="http://schemas.microsoft.com/office/powerpoint/2015/09/main" Requires="p159">
+      <p:transition>
+        <p159:morph option="byObject"/>
+      </p:transition>
+    </mc:Choice>
+    <mc:Fallback>
+      <p:transition>
+        <p:fade/>
+      </p:transition>
+    </mc:Fallback>
+  </mc:AlternateContent>
+</p:sld>
+</file>
+
+<file path=ppt/slides/slide14.xml><?xml version="1.0" encoding="utf-8"?>
+<p:sld xmlns:a="http://schemas.openxmlformats.org/drawingml/2006/main" xmlns:r="http://schemas.openxmlformats.org/officeDocument/2006/relationships" xmlns:p="http://schemas.openxmlformats.org/presentationml/2006/main">
+  <p:cSld>
+    <p:spTree>
+      <p:nvGrpSpPr>
+        <p:cNvPr id="1" name=""/>
+        <p:cNvGrpSpPr/>
+        <p:nvPr/>
+      </p:nvGrpSpPr>
+      <p:grpSpPr>
+        <a:xfrm>
+          <a:off x="0" y="0"/>
+          <a:ext cx="0" cy="0"/>
+          <a:chOff x="0" y="0"/>
+          <a:chExt cx="0" cy="0"/>
+        </a:xfrm>
+      </p:grpSpPr>
+      <p:sp>
+        <p:nvSpPr>
+          <p:cNvPr id="2" name="Title 1">
+            <a:extLst>
+              <a:ext uri="{FF2B5EF4-FFF2-40B4-BE49-F238E27FC236}">
+                <a16:creationId xmlns:a16="http://schemas.microsoft.com/office/drawing/2014/main" id="{1C6422CF-B4A7-4B2C-8835-1F196E87C9C2}"/>
+              </a:ext>
+            </a:extLst>
+          </p:cNvPr>
+          <p:cNvSpPr>
+            <a:spLocks noGrp="1"/>
+          </p:cNvSpPr>
+          <p:nvPr>
+            <p:ph type="title"/>
+          </p:nvPr>
+        </p:nvSpPr>
+        <p:spPr/>
+        <p:txBody>
+          <a:bodyPr/>
+          <a:lstStyle/>
+          <a:p>
+            <a:r>
+              <a:rPr lang="en-US" dirty="0"/>
+              <a:t>Ethical concerns</a:t>
+            </a:r>
+          </a:p>
+        </p:txBody>
+      </p:sp>
+      <p:sp>
+        <p:nvSpPr>
+          <p:cNvPr id="3" name="Content Placeholder 2">
+            <a:extLst>
+              <a:ext uri="{FF2B5EF4-FFF2-40B4-BE49-F238E27FC236}">
+                <a16:creationId xmlns:a16="http://schemas.microsoft.com/office/drawing/2014/main" id="{174A2360-A983-4372-AE8F-72CC3C080296}"/>
+              </a:ext>
+            </a:extLst>
+          </p:cNvPr>
+          <p:cNvSpPr>
+            <a:spLocks noGrp="1"/>
+          </p:cNvSpPr>
+          <p:nvPr>
+            <p:ph idx="1"/>
+          </p:nvPr>
+        </p:nvSpPr>
+        <p:spPr/>
+        <p:txBody>
+          <a:bodyPr/>
+          <a:lstStyle/>
+          <a:p>
+            <a:r>
+              <a:rPr lang="en-US" dirty="0"/>
+              <a:t>States with general public against contraception</a:t>
+            </a:r>
+          </a:p>
+          <a:p>
+            <a:pPr lvl="1"/>
+            <a:r>
+              <a:rPr lang="en-US" dirty="0"/>
+              <a:t>Petitioning system</a:t>
+            </a:r>
+          </a:p>
+          <a:p>
+            <a:r>
+              <a:rPr lang="en-US" dirty="0"/>
+              <a:t>Small town shops</a:t>
+            </a:r>
+          </a:p>
+          <a:p>
+            <a:pPr lvl="1"/>
+            <a:r>
+              <a:rPr lang="en-US" dirty="0"/>
+              <a:t>Report or contact us</a:t>
+            </a:r>
+          </a:p>
+        </p:txBody>
+      </p:sp>
+      <p:pic>
+        <p:nvPicPr>
+          <p:cNvPr id="4" name="Picture 2" descr="Image result for react">
+            <a:extLst>
+              <a:ext uri="{FF2B5EF4-FFF2-40B4-BE49-F238E27FC236}">
+                <a16:creationId xmlns:a16="http://schemas.microsoft.com/office/drawing/2014/main" id="{6F6BDFA8-1BE0-49DF-B17F-9C283A3B3D64}"/>
+              </a:ext>
+            </a:extLst>
+          </p:cNvPr>
+          <p:cNvPicPr>
+            <a:picLocks noChangeAspect="1" noChangeArrowheads="1"/>
+          </p:cNvPicPr>
+          <p:nvPr/>
+        </p:nvPicPr>
+        <p:blipFill>
+          <a:blip r:embed="rId2">
+            <a:extLst>
+              <a:ext uri="{28A0092B-C50C-407E-A947-70E740481C1C}">
+                <a14:useLocalDpi xmlns:a14="http://schemas.microsoft.com/office/drawing/2010/main" val="0"/>
+              </a:ext>
+            </a:extLst>
+          </a:blip>
+          <a:srcRect/>
+          <a:stretch>
+            <a:fillRect/>
+          </a:stretch>
+        </p:blipFill>
+        <p:spPr bwMode="auto">
+          <a:xfrm>
+            <a:off x="12192000" y="-3300621"/>
+            <a:ext cx="3724275" cy="3057525"/>
+          </a:xfrm>
+          <a:prstGeom prst="rect">
+            <a:avLst/>
+          </a:prstGeom>
+          <a:noFill/>
+          <a:extLst>
+            <a:ext uri="{909E8E84-426E-40DD-AFC4-6F175D3DCCD1}">
+              <a14:hiddenFill xmlns:a14="http://schemas.microsoft.com/office/drawing/2010/main">
+                <a:solidFill>
+                  <a:srgbClr val="FFFFFF"/>
+                </a:solidFill>
+              </a14:hiddenFill>
+            </a:ext>
+          </a:extLst>
+        </p:spPr>
+      </p:pic>
+      <p:pic>
+        <p:nvPicPr>
+          <p:cNvPr id="5" name="Picture 6" descr="Image result for react router">
+            <a:extLst>
+              <a:ext uri="{FF2B5EF4-FFF2-40B4-BE49-F238E27FC236}">
+                <a16:creationId xmlns:a16="http://schemas.microsoft.com/office/drawing/2014/main" id="{E0580F7D-874E-49CA-ACEF-E6307E12D02B}"/>
+              </a:ext>
+            </a:extLst>
+          </p:cNvPr>
+          <p:cNvPicPr>
+            <a:picLocks noChangeAspect="1" noChangeArrowheads="1"/>
+          </p:cNvPicPr>
+          <p:nvPr/>
+        </p:nvPicPr>
+        <p:blipFill>
+          <a:blip r:embed="rId3">
+            <a:extLst>
+              <a:ext uri="{28A0092B-C50C-407E-A947-70E740481C1C}">
+                <a14:useLocalDpi xmlns:a14="http://schemas.microsoft.com/office/drawing/2010/main" val="0"/>
+              </a:ext>
+            </a:extLst>
+          </a:blip>
+          <a:srcRect/>
+          <a:stretch>
+            <a:fillRect/>
+          </a:stretch>
+        </p:blipFill>
+        <p:spPr bwMode="auto">
+          <a:xfrm>
+            <a:off x="12786560" y="7556200"/>
+            <a:ext cx="3724275" cy="1664719"/>
+          </a:xfrm>
+          <a:prstGeom prst="rect">
+            <a:avLst/>
+          </a:prstGeom>
+          <a:noFill/>
+          <a:extLst>
+            <a:ext uri="{909E8E84-426E-40DD-AFC4-6F175D3DCCD1}">
+              <a14:hiddenFill xmlns:a14="http://schemas.microsoft.com/office/drawing/2010/main">
+                <a:solidFill>
+                  <a:srgbClr val="FFFFFF"/>
+                </a:solidFill>
+              </a14:hiddenFill>
+            </a:ext>
+          </a:extLst>
+        </p:spPr>
+      </p:pic>
+      <p:pic>
+        <p:nvPicPr>
+          <p:cNvPr id="6" name="Picture 10" descr="Image result for google cloud platform geocoding">
+            <a:extLst>
+              <a:ext uri="{FF2B5EF4-FFF2-40B4-BE49-F238E27FC236}">
+                <a16:creationId xmlns:a16="http://schemas.microsoft.com/office/drawing/2014/main" id="{D9DC01DD-1CEA-4B04-8830-558F6910666D}"/>
+              </a:ext>
+            </a:extLst>
+          </p:cNvPr>
+          <p:cNvPicPr>
+            <a:picLocks noChangeAspect="1" noChangeArrowheads="1"/>
+          </p:cNvPicPr>
+          <p:nvPr/>
+        </p:nvPicPr>
+        <p:blipFill>
+          <a:blip r:embed="rId4">
+            <a:extLst>
+              <a:ext uri="{28A0092B-C50C-407E-A947-70E740481C1C}">
+                <a14:useLocalDpi xmlns:a14="http://schemas.microsoft.com/office/drawing/2010/main" val="0"/>
+              </a:ext>
+            </a:extLst>
+          </a:blip>
+          <a:srcRect/>
+          <a:stretch>
+            <a:fillRect/>
+          </a:stretch>
+        </p:blipFill>
+        <p:spPr bwMode="auto">
+          <a:xfrm>
+            <a:off x="6096000" y="-2196673"/>
+            <a:ext cx="1799828" cy="1799828"/>
+          </a:xfrm>
+          <a:prstGeom prst="rect">
+            <a:avLst/>
+          </a:prstGeom>
+          <a:noFill/>
+          <a:extLst>
+            <a:ext uri="{909E8E84-426E-40DD-AFC4-6F175D3DCCD1}">
+              <a14:hiddenFill xmlns:a14="http://schemas.microsoft.com/office/drawing/2010/main">
+                <a:solidFill>
+                  <a:srgbClr val="FFFFFF"/>
+                </a:solidFill>
+              </a14:hiddenFill>
+            </a:ext>
+          </a:extLst>
+        </p:spPr>
+      </p:pic>
+      <p:pic>
+        <p:nvPicPr>
+          <p:cNvPr id="7" name="Picture 12" descr="Image result for google cloud">
+            <a:extLst>
+              <a:ext uri="{FF2B5EF4-FFF2-40B4-BE49-F238E27FC236}">
+                <a16:creationId xmlns:a16="http://schemas.microsoft.com/office/drawing/2014/main" id="{20BB9B08-9499-42A9-8321-A25814DB639B}"/>
+              </a:ext>
+            </a:extLst>
+          </p:cNvPr>
+          <p:cNvPicPr>
+            <a:picLocks noChangeAspect="1" noChangeArrowheads="1"/>
+          </p:cNvPicPr>
+          <p:nvPr/>
+        </p:nvPicPr>
+        <p:blipFill>
+          <a:blip r:embed="rId5">
+            <a:extLst>
+              <a:ext uri="{28A0092B-C50C-407E-A947-70E740481C1C}">
+                <a14:useLocalDpi xmlns:a14="http://schemas.microsoft.com/office/drawing/2010/main" val="0"/>
+              </a:ext>
+            </a:extLst>
+          </a:blip>
+          <a:srcRect/>
+          <a:stretch>
+            <a:fillRect/>
+          </a:stretch>
+        </p:blipFill>
+        <p:spPr bwMode="auto">
+          <a:xfrm>
+            <a:off x="2115727" y="-2196673"/>
+            <a:ext cx="1501266" cy="1501266"/>
+          </a:xfrm>
+          <a:prstGeom prst="rect">
+            <a:avLst/>
+          </a:prstGeom>
+          <a:noFill/>
+          <a:extLst>
+            <a:ext uri="{909E8E84-426E-40DD-AFC4-6F175D3DCCD1}">
+              <a14:hiddenFill xmlns:a14="http://schemas.microsoft.com/office/drawing/2010/main">
+                <a:solidFill>
+                  <a:srgbClr val="FFFFFF"/>
+                </a:solidFill>
+              </a14:hiddenFill>
+            </a:ext>
+          </a:extLst>
+        </p:spPr>
+      </p:pic>
+      <p:pic>
+        <p:nvPicPr>
+          <p:cNvPr id="8" name="Picture 22" descr="Image result for leaflet js">
+            <a:extLst>
+              <a:ext uri="{FF2B5EF4-FFF2-40B4-BE49-F238E27FC236}">
+                <a16:creationId xmlns:a16="http://schemas.microsoft.com/office/drawing/2014/main" id="{9C278529-D5AF-4122-8B70-BC07C709B7E9}"/>
+              </a:ext>
+            </a:extLst>
+          </p:cNvPr>
+          <p:cNvPicPr>
+            <a:picLocks noChangeAspect="1" noChangeArrowheads="1"/>
+          </p:cNvPicPr>
+          <p:nvPr/>
+        </p:nvPicPr>
+        <p:blipFill>
+          <a:blip r:embed="rId6">
+            <a:extLst>
+              <a:ext uri="{BEBA8EAE-BF5A-486C-A8C5-ECC9F3942E4B}">
+                <a14:imgProps xmlns:a14="http://schemas.microsoft.com/office/drawing/2010/main">
+                  <a14:imgLayer r:embed="rId7">
+                    <a14:imgEffect>
+                      <a14:backgroundRemoval t="1500" b="94000" l="3750" r="90000">
+                        <a14:foregroundMark x1="71250" y1="8750" x2="75000" y2="5250"/>
+                        <a14:foregroundMark x1="11000" y1="94000" x2="20500" y2="88000"/>
+                        <a14:foregroundMark x1="6000" y1="93500" x2="3750" y2="93000"/>
+                        <a14:foregroundMark x1="76250" y1="1500" x2="76250" y2="1500"/>
+                      </a14:backgroundRemoval>
+                    </a14:imgEffect>
+                  </a14:imgLayer>
+                </a14:imgProps>
+              </a:ext>
+              <a:ext uri="{28A0092B-C50C-407E-A947-70E740481C1C}">
+                <a14:useLocalDpi xmlns:a14="http://schemas.microsoft.com/office/drawing/2010/main" val="0"/>
+              </a:ext>
+            </a:extLst>
+          </a:blip>
+          <a:srcRect/>
+          <a:stretch>
+            <a:fillRect/>
+          </a:stretch>
+        </p:blipFill>
+        <p:spPr bwMode="auto">
+          <a:xfrm>
+            <a:off x="144867" y="7304132"/>
+            <a:ext cx="1702341" cy="1702341"/>
+          </a:xfrm>
+          <a:prstGeom prst="rect">
+            <a:avLst/>
+          </a:prstGeom>
+          <a:noFill/>
+          <a:extLst>
+            <a:ext uri="{909E8E84-426E-40DD-AFC4-6F175D3DCCD1}">
+              <a14:hiddenFill xmlns:a14="http://schemas.microsoft.com/office/drawing/2010/main">
+                <a:solidFill>
+                  <a:srgbClr val="FFFFFF"/>
+                </a:solidFill>
+              </a14:hiddenFill>
+            </a:ext>
+          </a:extLst>
+        </p:spPr>
+      </p:pic>
+      <p:pic>
+        <p:nvPicPr>
+          <p:cNvPr id="9" name="Picture 26" descr="Image result for material ui">
+            <a:extLst>
+              <a:ext uri="{FF2B5EF4-FFF2-40B4-BE49-F238E27FC236}">
+                <a16:creationId xmlns:a16="http://schemas.microsoft.com/office/drawing/2014/main" id="{7BD2678C-6C4F-45A3-900B-0A2AE3532618}"/>
+              </a:ext>
+            </a:extLst>
+          </p:cNvPr>
+          <p:cNvPicPr>
+            <a:picLocks noChangeAspect="1" noChangeArrowheads="1"/>
+          </p:cNvPicPr>
+          <p:nvPr/>
+        </p:nvPicPr>
+        <p:blipFill>
+          <a:blip r:embed="rId8">
+            <a:extLst>
+              <a:ext uri="{BEBA8EAE-BF5A-486C-A8C5-ECC9F3942E4B}">
+                <a14:imgProps xmlns:a14="http://schemas.microsoft.com/office/drawing/2010/main">
+                  <a14:imgLayer r:embed="rId9">
+                    <a14:imgEffect>
+                      <a14:backgroundRemoval t="10000" b="90000" l="10000" r="90000">
+                        <a14:foregroundMark x1="76875" y1="31667" x2="76458" y2="33125"/>
+                      </a14:backgroundRemoval>
+                    </a14:imgEffect>
+                  </a14:imgLayer>
+                </a14:imgProps>
+              </a:ext>
+              <a:ext uri="{28A0092B-C50C-407E-A947-70E740481C1C}">
+                <a14:useLocalDpi xmlns:a14="http://schemas.microsoft.com/office/drawing/2010/main" val="0"/>
+              </a:ext>
+            </a:extLst>
+          </a:blip>
+          <a:srcRect/>
+          <a:stretch>
+            <a:fillRect/>
+          </a:stretch>
+        </p:blipFill>
+        <p:spPr bwMode="auto">
+          <a:xfrm>
+            <a:off x="4619625" y="7049836"/>
+            <a:ext cx="2952750" cy="2952750"/>
+          </a:xfrm>
+          <a:prstGeom prst="rect">
+            <a:avLst/>
+          </a:prstGeom>
+          <a:noFill/>
+          <a:extLst>
+            <a:ext uri="{909E8E84-426E-40DD-AFC4-6F175D3DCCD1}">
+              <a14:hiddenFill xmlns:a14="http://schemas.microsoft.com/office/drawing/2010/main">
+                <a:solidFill>
+                  <a:srgbClr val="FFFFFF"/>
+                </a:solidFill>
+              </a14:hiddenFill>
+            </a:ext>
+          </a:extLst>
+        </p:spPr>
+      </p:pic>
+      <p:pic>
+        <p:nvPicPr>
+          <p:cNvPr id="10" name="Picture 32" descr="Image result for firebase logo">
+            <a:extLst>
+              <a:ext uri="{FF2B5EF4-FFF2-40B4-BE49-F238E27FC236}">
+                <a16:creationId xmlns:a16="http://schemas.microsoft.com/office/drawing/2014/main" id="{E87BA129-8070-4D67-AE26-775CFB540E4F}"/>
+              </a:ext>
+            </a:extLst>
+          </p:cNvPr>
+          <p:cNvPicPr>
+            <a:picLocks noChangeAspect="1" noChangeArrowheads="1"/>
+          </p:cNvPicPr>
+          <p:nvPr/>
+        </p:nvPicPr>
+        <p:blipFill>
+          <a:blip r:embed="rId10">
+            <a:extLst>
+              <a:ext uri="{28A0092B-C50C-407E-A947-70E740481C1C}">
+                <a14:useLocalDpi xmlns:a14="http://schemas.microsoft.com/office/drawing/2010/main" val="0"/>
+              </a:ext>
+            </a:extLst>
+          </a:blip>
+          <a:srcRect/>
+          <a:stretch>
+            <a:fillRect/>
+          </a:stretch>
+        </p:blipFill>
+        <p:spPr bwMode="auto">
+          <a:xfrm>
+            <a:off x="-2116480" y="2171562"/>
+            <a:ext cx="1375286" cy="2240385"/>
+          </a:xfrm>
+          <a:prstGeom prst="rect">
+            <a:avLst/>
+          </a:prstGeom>
+          <a:noFill/>
+          <a:extLst>
+            <a:ext uri="{909E8E84-426E-40DD-AFC4-6F175D3DCCD1}">
+              <a14:hiddenFill xmlns:a14="http://schemas.microsoft.com/office/drawing/2010/main">
+                <a:solidFill>
+                  <a:srgbClr val="FFFFFF"/>
+                </a:solidFill>
+              </a14:hiddenFill>
+            </a:ext>
+          </a:extLst>
+        </p:spPr>
+      </p:pic>
+    </p:spTree>
+    <p:extLst>
+      <p:ext uri="{BB962C8B-B14F-4D97-AF65-F5344CB8AC3E}">
+        <p14:creationId xmlns:p14="http://schemas.microsoft.com/office/powerpoint/2010/main" val="3884778321"/>
+      </p:ext>
+    </p:extLst>
+  </p:cSld>
+  <p:clrMapOvr>
+    <a:masterClrMapping/>
+  </p:clrMapOvr>
+  <mc:AlternateContent xmlns:mc="http://schemas.openxmlformats.org/markup-compatibility/2006">
+    <mc:Choice xmlns:p159="http://schemas.microsoft.com/office/powerpoint/2015/09/main" Requires="p159">
+      <p:transition>
+        <p159:morph option="byObject"/>
+      </p:transition>
+    </mc:Choice>
+    <mc:Fallback>
+      <p:transition>
+        <p:fade/>
+      </p:transition>
+    </mc:Fallback>
+  </mc:AlternateContent>
+</p:sld>
+</file>
+
+<file path=ppt/slides/slide15.xml><?xml version="1.0" encoding="utf-8"?>
+<p:sld xmlns:a="http://schemas.openxmlformats.org/drawingml/2006/main" xmlns:r="http://schemas.openxmlformats.org/officeDocument/2006/relationships" xmlns:p="http://schemas.openxmlformats.org/presentationml/2006/main">
+  <p:cSld>
+    <p:spTree>
+      <p:nvGrpSpPr>
+        <p:cNvPr id="1" name=""/>
+        <p:cNvGrpSpPr/>
+        <p:nvPr/>
+      </p:nvGrpSpPr>
+      <p:grpSpPr>
+        <a:xfrm>
+          <a:off x="0" y="0"/>
+          <a:ext cx="0" cy="0"/>
+          <a:chOff x="0" y="0"/>
+          <a:chExt cx="0" cy="0"/>
+        </a:xfrm>
+      </p:grpSpPr>
+      <p:sp>
+        <p:nvSpPr>
+          <p:cNvPr id="2" name="Title 1">
+            <a:extLst>
+              <a:ext uri="{FF2B5EF4-FFF2-40B4-BE49-F238E27FC236}">
+                <a16:creationId xmlns:a16="http://schemas.microsoft.com/office/drawing/2014/main" id="{CDA286B2-F3E9-45B9-A1F3-6593B3A5AFEF}"/>
+              </a:ext>
+            </a:extLst>
+          </p:cNvPr>
+          <p:cNvSpPr>
+            <a:spLocks noGrp="1"/>
+          </p:cNvSpPr>
+          <p:nvPr>
+            <p:ph type="title"/>
+          </p:nvPr>
+        </p:nvSpPr>
+        <p:spPr/>
+        <p:txBody>
+          <a:bodyPr/>
+          <a:lstStyle/>
+          <a:p>
+            <a:r>
+              <a:rPr lang="en-US" dirty="0"/>
+              <a:t>Technical Description</a:t>
+            </a:r>
+          </a:p>
+        </p:txBody>
+      </p:sp>
+      <p:sp>
+        <p:nvSpPr>
+          <p:cNvPr id="3" name="Content Placeholder 2">
+            <a:extLst>
+              <a:ext uri="{FF2B5EF4-FFF2-40B4-BE49-F238E27FC236}">
+                <a16:creationId xmlns:a16="http://schemas.microsoft.com/office/drawing/2014/main" id="{932EAD8E-D149-4F63-8FF3-CE63F8B64D2A}"/>
+              </a:ext>
+            </a:extLst>
+          </p:cNvPr>
+          <p:cNvSpPr>
+            <a:spLocks noGrp="1"/>
+          </p:cNvSpPr>
+          <p:nvPr>
+            <p:ph idx="1"/>
+          </p:nvPr>
+        </p:nvSpPr>
+        <p:spPr>
+          <a:xfrm>
+            <a:off x="838200" y="1825625"/>
+            <a:ext cx="10515600" cy="4351338"/>
+          </a:xfrm>
+        </p:spPr>
+        <p:txBody>
+          <a:bodyPr/>
+          <a:lstStyle/>
+          <a:p>
+            <a:r>
+              <a:rPr lang="en-US" dirty="0"/>
+              <a:t>React, React Router</a:t>
+            </a:r>
+          </a:p>
+          <a:p>
+            <a:r>
+              <a:rPr lang="en-US" dirty="0"/>
+              <a:t>Google Firebase</a:t>
+            </a:r>
+          </a:p>
+          <a:p>
+            <a:r>
+              <a:rPr lang="en-US" dirty="0"/>
+              <a:t>Google Cloud Geocoding API</a:t>
+            </a:r>
+          </a:p>
+          <a:p>
+            <a:r>
+              <a:rPr lang="en-US" dirty="0" err="1"/>
+              <a:t>LeafletJS</a:t>
+            </a:r>
+            <a:endParaRPr lang="en-US" dirty="0"/>
+          </a:p>
+          <a:p>
+            <a:r>
+              <a:rPr lang="en-US" dirty="0" err="1"/>
+              <a:t>MaterialUI</a:t>
+            </a:r>
+            <a:endParaRPr lang="en-US" dirty="0"/>
+          </a:p>
+        </p:txBody>
+      </p:sp>
+      <p:pic>
+        <p:nvPicPr>
+          <p:cNvPr id="1026" name="Picture 2" descr="Image result for react">
+            <a:extLst>
+              <a:ext uri="{FF2B5EF4-FFF2-40B4-BE49-F238E27FC236}">
+                <a16:creationId xmlns:a16="http://schemas.microsoft.com/office/drawing/2014/main" id="{301F6B1E-2B74-46DA-96A5-E02BDFE924B9}"/>
+              </a:ext>
+            </a:extLst>
+          </p:cNvPr>
+          <p:cNvPicPr>
+            <a:picLocks noChangeAspect="1" noChangeArrowheads="1"/>
+          </p:cNvPicPr>
+          <p:nvPr/>
+        </p:nvPicPr>
+        <p:blipFill>
+          <a:blip r:embed="rId2">
+            <a:extLst>
+              <a:ext uri="{28A0092B-C50C-407E-A947-70E740481C1C}">
+                <a14:useLocalDpi xmlns:a14="http://schemas.microsoft.com/office/drawing/2010/main" val="0"/>
+              </a:ext>
+            </a:extLst>
+          </a:blip>
+          <a:srcRect/>
+          <a:stretch>
+            <a:fillRect/>
+          </a:stretch>
+        </p:blipFill>
+        <p:spPr bwMode="auto">
+          <a:xfrm>
+            <a:off x="8825167" y="-23019"/>
+            <a:ext cx="3724275" cy="3057525"/>
+          </a:xfrm>
+          <a:prstGeom prst="rect">
+            <a:avLst/>
+          </a:prstGeom>
+          <a:noFill/>
+          <a:extLst>
+            <a:ext uri="{909E8E84-426E-40DD-AFC4-6F175D3DCCD1}">
+              <a14:hiddenFill xmlns:a14="http://schemas.microsoft.com/office/drawing/2010/main">
+                <a:solidFill>
+                  <a:srgbClr val="FFFFFF"/>
+                </a:solidFill>
+              </a14:hiddenFill>
+            </a:ext>
+          </a:extLst>
+        </p:spPr>
+      </p:pic>
+      <p:pic>
+        <p:nvPicPr>
+          <p:cNvPr id="1030" name="Picture 6" descr="Image result for react router">
+            <a:extLst>
+              <a:ext uri="{FF2B5EF4-FFF2-40B4-BE49-F238E27FC236}">
+                <a16:creationId xmlns:a16="http://schemas.microsoft.com/office/drawing/2014/main" id="{21184622-5A85-455A-9FCC-CA711617ABF4}"/>
+              </a:ext>
+            </a:extLst>
+          </p:cNvPr>
+          <p:cNvPicPr>
+            <a:picLocks noChangeAspect="1" noChangeArrowheads="1"/>
+          </p:cNvPicPr>
+          <p:nvPr/>
+        </p:nvPicPr>
+        <p:blipFill>
+          <a:blip r:embed="rId3">
+            <a:extLst>
+              <a:ext uri="{28A0092B-C50C-407E-A947-70E740481C1C}">
+                <a14:useLocalDpi xmlns:a14="http://schemas.microsoft.com/office/drawing/2010/main" val="0"/>
+              </a:ext>
+            </a:extLst>
+          </a:blip>
+          <a:srcRect/>
+          <a:stretch>
+            <a:fillRect/>
+          </a:stretch>
+        </p:blipFill>
+        <p:spPr bwMode="auto">
+          <a:xfrm>
+            <a:off x="7943850" y="4545297"/>
+            <a:ext cx="3724275" cy="1664719"/>
+          </a:xfrm>
+          <a:prstGeom prst="rect">
+            <a:avLst/>
+          </a:prstGeom>
+          <a:noFill/>
+          <a:extLst>
+            <a:ext uri="{909E8E84-426E-40DD-AFC4-6F175D3DCCD1}">
+              <a14:hiddenFill xmlns:a14="http://schemas.microsoft.com/office/drawing/2010/main">
+                <a:solidFill>
+                  <a:srgbClr val="FFFFFF"/>
+                </a:solidFill>
+              </a14:hiddenFill>
+            </a:ext>
+          </a:extLst>
+        </p:spPr>
+      </p:pic>
+      <p:pic>
+        <p:nvPicPr>
+          <p:cNvPr id="1034" name="Picture 10" descr="Image result for google cloud platform geocoding">
+            <a:extLst>
+              <a:ext uri="{FF2B5EF4-FFF2-40B4-BE49-F238E27FC236}">
+                <a16:creationId xmlns:a16="http://schemas.microsoft.com/office/drawing/2014/main" id="{F2F432B0-1B92-4F1E-B9BF-A2AE8DCF9630}"/>
+              </a:ext>
+            </a:extLst>
+          </p:cNvPr>
+          <p:cNvPicPr>
+            <a:picLocks noChangeAspect="1" noChangeArrowheads="1"/>
+          </p:cNvPicPr>
+          <p:nvPr/>
+        </p:nvPicPr>
+        <p:blipFill>
+          <a:blip r:embed="rId4">
+            <a:extLst>
+              <a:ext uri="{28A0092B-C50C-407E-A947-70E740481C1C}">
+                <a14:useLocalDpi xmlns:a14="http://schemas.microsoft.com/office/drawing/2010/main" val="0"/>
+              </a:ext>
+            </a:extLst>
+          </a:blip>
+          <a:srcRect/>
+          <a:stretch>
+            <a:fillRect/>
+          </a:stretch>
+        </p:blipFill>
+        <p:spPr bwMode="auto">
+          <a:xfrm>
+            <a:off x="7591822" y="419498"/>
+            <a:ext cx="1799828" cy="1799828"/>
+          </a:xfrm>
+          <a:prstGeom prst="rect">
+            <a:avLst/>
+          </a:prstGeom>
+          <a:noFill/>
+          <a:extLst>
+            <a:ext uri="{909E8E84-426E-40DD-AFC4-6F175D3DCCD1}">
+              <a14:hiddenFill xmlns:a14="http://schemas.microsoft.com/office/drawing/2010/main">
+                <a:solidFill>
+                  <a:srgbClr val="FFFFFF"/>
+                </a:solidFill>
+              </a14:hiddenFill>
+            </a:ext>
+          </a:extLst>
+        </p:spPr>
+      </p:pic>
+      <p:pic>
+        <p:nvPicPr>
+          <p:cNvPr id="1036" name="Picture 12" descr="Image result for google cloud">
+            <a:extLst>
+              <a:ext uri="{FF2B5EF4-FFF2-40B4-BE49-F238E27FC236}">
+                <a16:creationId xmlns:a16="http://schemas.microsoft.com/office/drawing/2014/main" id="{4C016408-9012-4D25-A2FB-65BB5B51278C}"/>
+              </a:ext>
+            </a:extLst>
+          </p:cNvPr>
+          <p:cNvPicPr>
+            <a:picLocks noChangeAspect="1" noChangeArrowheads="1"/>
+          </p:cNvPicPr>
+          <p:nvPr/>
+        </p:nvPicPr>
+        <p:blipFill>
+          <a:blip r:embed="rId5">
+            <a:extLst>
+              <a:ext uri="{28A0092B-C50C-407E-A947-70E740481C1C}">
+                <a14:useLocalDpi xmlns:a14="http://schemas.microsoft.com/office/drawing/2010/main" val="0"/>
+              </a:ext>
+            </a:extLst>
+          </a:blip>
+          <a:srcRect/>
+          <a:stretch>
+            <a:fillRect/>
+          </a:stretch>
+        </p:blipFill>
+        <p:spPr bwMode="auto">
+          <a:xfrm>
+            <a:off x="6128259" y="577566"/>
+            <a:ext cx="1501266" cy="1501266"/>
+          </a:xfrm>
+          <a:prstGeom prst="rect">
+            <a:avLst/>
+          </a:prstGeom>
+          <a:noFill/>
+          <a:extLst>
+            <a:ext uri="{909E8E84-426E-40DD-AFC4-6F175D3DCCD1}">
+              <a14:hiddenFill xmlns:a14="http://schemas.microsoft.com/office/drawing/2010/main">
+                <a:solidFill>
+                  <a:srgbClr val="FFFFFF"/>
+                </a:solidFill>
+              </a14:hiddenFill>
+            </a:ext>
+          </a:extLst>
+        </p:spPr>
+      </p:pic>
+      <p:pic>
+        <p:nvPicPr>
+          <p:cNvPr id="1046" name="Picture 22" descr="Image result for leaflet js">
+            <a:extLst>
+              <a:ext uri="{FF2B5EF4-FFF2-40B4-BE49-F238E27FC236}">
+                <a16:creationId xmlns:a16="http://schemas.microsoft.com/office/drawing/2014/main" id="{ADE6AC5F-A671-43C4-A806-D204CB6746AA}"/>
+              </a:ext>
+            </a:extLst>
+          </p:cNvPr>
+          <p:cNvPicPr>
+            <a:picLocks noChangeAspect="1" noChangeArrowheads="1"/>
+          </p:cNvPicPr>
+          <p:nvPr/>
+        </p:nvPicPr>
+        <p:blipFill>
+          <a:blip r:embed="rId6">
+            <a:extLst>
+              <a:ext uri="{BEBA8EAE-BF5A-486C-A8C5-ECC9F3942E4B}">
+                <a14:imgProps xmlns:a14="http://schemas.microsoft.com/office/drawing/2010/main">
+                  <a14:imgLayer r:embed="rId7">
+                    <a14:imgEffect>
+                      <a14:backgroundRemoval t="1500" b="94000" l="3750" r="90000">
+                        <a14:foregroundMark x1="71250" y1="8750" x2="75000" y2="5250"/>
+                        <a14:foregroundMark x1="11000" y1="94000" x2="20500" y2="88000"/>
+                        <a14:foregroundMark x1="6000" y1="93500" x2="3750" y2="93000"/>
+                        <a14:foregroundMark x1="76250" y1="1500" x2="76250" y2="1500"/>
+                      </a14:backgroundRemoval>
+                    </a14:imgEffect>
+                  </a14:imgLayer>
+                </a14:imgProps>
+              </a:ext>
+              <a:ext uri="{28A0092B-C50C-407E-A947-70E740481C1C}">
+                <a14:useLocalDpi xmlns:a14="http://schemas.microsoft.com/office/drawing/2010/main" val="0"/>
+              </a:ext>
+            </a:extLst>
+          </a:blip>
+          <a:srcRect/>
+          <a:stretch>
+            <a:fillRect/>
+          </a:stretch>
+        </p:blipFill>
+        <p:spPr bwMode="auto">
+          <a:xfrm>
+            <a:off x="5954114" y="4790534"/>
+            <a:ext cx="1702341" cy="1702341"/>
+          </a:xfrm>
+          <a:prstGeom prst="rect">
+            <a:avLst/>
+          </a:prstGeom>
+          <a:noFill/>
+          <a:extLst>
+            <a:ext uri="{909E8E84-426E-40DD-AFC4-6F175D3DCCD1}">
+              <a14:hiddenFill xmlns:a14="http://schemas.microsoft.com/office/drawing/2010/main">
+                <a:solidFill>
+                  <a:srgbClr val="FFFFFF"/>
+                </a:solidFill>
+              </a14:hiddenFill>
+            </a:ext>
+          </a:extLst>
+        </p:spPr>
+      </p:pic>
+      <p:pic>
+        <p:nvPicPr>
+          <p:cNvPr id="1050" name="Picture 26" descr="Image result for material ui">
+            <a:extLst>
+              <a:ext uri="{FF2B5EF4-FFF2-40B4-BE49-F238E27FC236}">
+                <a16:creationId xmlns:a16="http://schemas.microsoft.com/office/drawing/2014/main" id="{F528945B-18E5-436E-9B57-B88F3C7A4425}"/>
+              </a:ext>
+            </a:extLst>
+          </p:cNvPr>
+          <p:cNvPicPr>
+            <a:picLocks noChangeAspect="1" noChangeArrowheads="1"/>
+          </p:cNvPicPr>
+          <p:nvPr/>
+        </p:nvPicPr>
+        <p:blipFill>
+          <a:blip r:embed="rId8">
+            <a:extLst>
+              <a:ext uri="{BEBA8EAE-BF5A-486C-A8C5-ECC9F3942E4B}">
+                <a14:imgProps xmlns:a14="http://schemas.microsoft.com/office/drawing/2010/main">
+                  <a14:imgLayer r:embed="rId9">
+                    <a14:imgEffect>
+                      <a14:backgroundRemoval t="10000" b="90000" l="10000" r="90000">
+                        <a14:foregroundMark x1="76875" y1="31667" x2="76458" y2="33125"/>
+                      </a14:backgroundRemoval>
+                    </a14:imgEffect>
+                  </a14:imgLayer>
+                </a14:imgProps>
+              </a:ext>
+              <a:ext uri="{28A0092B-C50C-407E-A947-70E740481C1C}">
+                <a14:useLocalDpi xmlns:a14="http://schemas.microsoft.com/office/drawing/2010/main" val="0"/>
+              </a:ext>
+            </a:extLst>
+          </a:blip>
+          <a:srcRect/>
+          <a:stretch>
+            <a:fillRect/>
+          </a:stretch>
+        </p:blipFill>
+        <p:spPr bwMode="auto">
+          <a:xfrm>
+            <a:off x="7850356" y="2088357"/>
+            <a:ext cx="2952750" cy="2952750"/>
+          </a:xfrm>
+          <a:prstGeom prst="rect">
+            <a:avLst/>
+          </a:prstGeom>
+          <a:noFill/>
+          <a:extLst>
+            <a:ext uri="{909E8E84-426E-40DD-AFC4-6F175D3DCCD1}">
+              <a14:hiddenFill xmlns:a14="http://schemas.microsoft.com/office/drawing/2010/main">
+                <a:solidFill>
+                  <a:srgbClr val="FFFFFF"/>
+                </a:solidFill>
+              </a14:hiddenFill>
+            </a:ext>
+          </a:extLst>
+        </p:spPr>
+      </p:pic>
+      <p:pic>
+        <p:nvPicPr>
+          <p:cNvPr id="1056" name="Picture 32" descr="Image result for firebase logo">
+            <a:extLst>
+              <a:ext uri="{FF2B5EF4-FFF2-40B4-BE49-F238E27FC236}">
+                <a16:creationId xmlns:a16="http://schemas.microsoft.com/office/drawing/2014/main" id="{7BACB791-5CDE-4F69-A6B3-3FDA5D2847A1}"/>
+              </a:ext>
+            </a:extLst>
+          </p:cNvPr>
+          <p:cNvPicPr>
+            <a:picLocks noChangeAspect="1" noChangeArrowheads="1"/>
+          </p:cNvPicPr>
+          <p:nvPr/>
+        </p:nvPicPr>
+        <p:blipFill>
+          <a:blip r:embed="rId10">
+            <a:extLst>
+              <a:ext uri="{28A0092B-C50C-407E-A947-70E740481C1C}">
+                <a14:useLocalDpi xmlns:a14="http://schemas.microsoft.com/office/drawing/2010/main" val="0"/>
+              </a:ext>
+            </a:extLst>
+          </a:blip>
+          <a:srcRect/>
+          <a:stretch>
+            <a:fillRect/>
+          </a:stretch>
+        </p:blipFill>
+        <p:spPr bwMode="auto">
+          <a:xfrm>
+            <a:off x="6109960" y="2187887"/>
+            <a:ext cx="1375286" cy="2240385"/>
+          </a:xfrm>
+          <a:prstGeom prst="rect">
+            <a:avLst/>
+          </a:prstGeom>
+          <a:noFill/>
+          <a:extLst>
+            <a:ext uri="{909E8E84-426E-40DD-AFC4-6F175D3DCCD1}">
+              <a14:hiddenFill xmlns:a14="http://schemas.microsoft.com/office/drawing/2010/main">
+                <a:solidFill>
+                  <a:srgbClr val="FFFFFF"/>
+                </a:solidFill>
+              </a14:hiddenFill>
+            </a:ext>
+          </a:extLst>
+        </p:spPr>
+      </p:pic>
+    </p:spTree>
+    <p:extLst>
+      <p:ext uri="{BB962C8B-B14F-4D97-AF65-F5344CB8AC3E}">
+        <p14:creationId xmlns:p14="http://schemas.microsoft.com/office/powerpoint/2010/main" val="4185885572"/>
+      </p:ext>
+    </p:extLst>
+  </p:cSld>
+  <p:clrMapOvr>
+    <a:masterClrMapping/>
+  </p:clrMapOvr>
+  <mc:AlternateContent xmlns:mc="http://schemas.openxmlformats.org/markup-compatibility/2006">
+    <mc:Choice xmlns:p159="http://schemas.microsoft.com/office/powerpoint/2015/09/main" Requires="p159">
+      <p:transition>
+        <p159:morph option="byObject"/>
+      </p:transition>
+    </mc:Choice>
+    <mc:Fallback>
+      <p:transition>
+        <p:fade/>
+      </p:transition>
+    </mc:Fallback>
+  </mc:AlternateContent>
+</p:sld>
+</file>
+
+<file path=ppt/slides/slide16.xml><?xml version="1.0" encoding="utf-8"?>
+<p:sld xmlns:a="http://schemas.openxmlformats.org/drawingml/2006/main" xmlns:r="http://schemas.openxmlformats.org/officeDocument/2006/relationships" xmlns:p="http://schemas.openxmlformats.org/presentationml/2006/main">
+  <p:cSld>
+    <p:spTree>
+      <p:nvGrpSpPr>
+        <p:cNvPr id="1" name=""/>
+        <p:cNvGrpSpPr/>
+        <p:nvPr/>
+      </p:nvGrpSpPr>
+      <p:grpSpPr>
+        <a:xfrm>
+          <a:off x="0" y="0"/>
+          <a:ext cx="0" cy="0"/>
+          <a:chOff x="0" y="0"/>
+          <a:chExt cx="0" cy="0"/>
+        </a:xfrm>
+      </p:grpSpPr>
+      <p:sp>
+        <p:nvSpPr>
+          <p:cNvPr id="2" name="Title 1">
+            <a:extLst>
+              <a:ext uri="{FF2B5EF4-FFF2-40B4-BE49-F238E27FC236}">
+                <a16:creationId xmlns:a16="http://schemas.microsoft.com/office/drawing/2014/main" id="{C483F7E0-30A1-4A75-9E3D-7E7A29A341AB}"/>
+              </a:ext>
+            </a:extLst>
+          </p:cNvPr>
+          <p:cNvSpPr>
+            <a:spLocks noGrp="1"/>
+          </p:cNvSpPr>
+          <p:nvPr>
+            <p:ph type="title"/>
+          </p:nvPr>
+        </p:nvSpPr>
+        <p:spPr/>
+        <p:txBody>
+          <a:bodyPr/>
+          <a:lstStyle/>
+          <a:p>
+            <a:r>
+              <a:rPr lang="en-US" dirty="0"/>
+              <a:t>Future plans</a:t>
+            </a:r>
+          </a:p>
+        </p:txBody>
+      </p:sp>
+      <p:sp>
+        <p:nvSpPr>
+          <p:cNvPr id="3" name="Content Placeholder 2">
+            <a:extLst>
+              <a:ext uri="{FF2B5EF4-FFF2-40B4-BE49-F238E27FC236}">
+                <a16:creationId xmlns:a16="http://schemas.microsoft.com/office/drawing/2014/main" id="{CB57456A-56B9-4635-892F-0B01FF550C87}"/>
+              </a:ext>
+            </a:extLst>
+          </p:cNvPr>
+          <p:cNvSpPr>
+            <a:spLocks noGrp="1"/>
+          </p:cNvSpPr>
+          <p:nvPr>
+            <p:ph idx="1"/>
+          </p:nvPr>
+        </p:nvSpPr>
+        <p:spPr/>
+        <p:txBody>
+          <a:bodyPr/>
+          <a:lstStyle/>
+          <a:p>
+            <a:r>
+              <a:rPr lang="en-US" dirty="0"/>
+              <a:t>Use Google Cloud Functions to do filtering, rather than client side</a:t>
+            </a:r>
+          </a:p>
+          <a:p>
+            <a:r>
+              <a:rPr lang="en-US" dirty="0"/>
+              <a:t>Hide the exposed API Key</a:t>
+            </a:r>
+          </a:p>
+          <a:p>
+            <a:r>
+              <a:rPr lang="en-US" dirty="0"/>
+              <a:t>Implement more filtering functions in the search menu</a:t>
+            </a:r>
+          </a:p>
+          <a:p>
+            <a:r>
+              <a:rPr lang="en-US" dirty="0"/>
+              <a:t>Fix UI inconsistencies</a:t>
+            </a:r>
+          </a:p>
+          <a:p>
+            <a:r>
+              <a:rPr lang="en-US" dirty="0"/>
+              <a:t>Reduce duplicated code</a:t>
+            </a:r>
+          </a:p>
+          <a:p>
+            <a:r>
+              <a:rPr lang="en-US" dirty="0"/>
+              <a:t>Implement more features for accessible contraceptives</a:t>
+            </a:r>
+          </a:p>
+        </p:txBody>
+      </p:sp>
+      <p:pic>
+        <p:nvPicPr>
+          <p:cNvPr id="4" name="Picture 2" descr="Image result for react">
+            <a:extLst>
+              <a:ext uri="{FF2B5EF4-FFF2-40B4-BE49-F238E27FC236}">
+                <a16:creationId xmlns:a16="http://schemas.microsoft.com/office/drawing/2014/main" id="{4C83E713-CA75-4776-B49A-9567C6B2F395}"/>
+              </a:ext>
+            </a:extLst>
+          </p:cNvPr>
+          <p:cNvPicPr>
+            <a:picLocks noChangeAspect="1" noChangeArrowheads="1"/>
+          </p:cNvPicPr>
+          <p:nvPr/>
+        </p:nvPicPr>
+        <p:blipFill>
+          <a:blip r:embed="rId2">
+            <a:extLst>
+              <a:ext uri="{28A0092B-C50C-407E-A947-70E740481C1C}">
+                <a14:useLocalDpi xmlns:a14="http://schemas.microsoft.com/office/drawing/2010/main" val="0"/>
+              </a:ext>
+            </a:extLst>
+          </a:blip>
+          <a:srcRect/>
+          <a:stretch>
+            <a:fillRect/>
+          </a:stretch>
+        </p:blipFill>
+        <p:spPr bwMode="auto">
+          <a:xfrm>
+            <a:off x="12192000" y="-3300621"/>
+            <a:ext cx="3724275" cy="3057525"/>
+          </a:xfrm>
+          <a:prstGeom prst="rect">
+            <a:avLst/>
+          </a:prstGeom>
+          <a:noFill/>
+          <a:extLst>
+            <a:ext uri="{909E8E84-426E-40DD-AFC4-6F175D3DCCD1}">
+              <a14:hiddenFill xmlns:a14="http://schemas.microsoft.com/office/drawing/2010/main">
+                <a:solidFill>
+                  <a:srgbClr val="FFFFFF"/>
+                </a:solidFill>
+              </a14:hiddenFill>
+            </a:ext>
+          </a:extLst>
+        </p:spPr>
+      </p:pic>
+      <p:pic>
+        <p:nvPicPr>
+          <p:cNvPr id="5" name="Picture 6" descr="Image result for react router">
+            <a:extLst>
+              <a:ext uri="{FF2B5EF4-FFF2-40B4-BE49-F238E27FC236}">
+                <a16:creationId xmlns:a16="http://schemas.microsoft.com/office/drawing/2014/main" id="{C245A473-2C48-4F77-9DEE-1C42F16EA305}"/>
+              </a:ext>
+            </a:extLst>
+          </p:cNvPr>
+          <p:cNvPicPr>
+            <a:picLocks noChangeAspect="1" noChangeArrowheads="1"/>
+          </p:cNvPicPr>
+          <p:nvPr/>
+        </p:nvPicPr>
+        <p:blipFill>
+          <a:blip r:embed="rId3">
+            <a:extLst>
+              <a:ext uri="{28A0092B-C50C-407E-A947-70E740481C1C}">
+                <a14:useLocalDpi xmlns:a14="http://schemas.microsoft.com/office/drawing/2010/main" val="0"/>
+              </a:ext>
+            </a:extLst>
+          </a:blip>
+          <a:srcRect/>
+          <a:stretch>
+            <a:fillRect/>
+          </a:stretch>
+        </p:blipFill>
+        <p:spPr bwMode="auto">
+          <a:xfrm>
+            <a:off x="12786560" y="7556200"/>
+            <a:ext cx="3724275" cy="1664719"/>
+          </a:xfrm>
+          <a:prstGeom prst="rect">
+            <a:avLst/>
+          </a:prstGeom>
+          <a:noFill/>
+          <a:extLst>
+            <a:ext uri="{909E8E84-426E-40DD-AFC4-6F175D3DCCD1}">
+              <a14:hiddenFill xmlns:a14="http://schemas.microsoft.com/office/drawing/2010/main">
+                <a:solidFill>
+                  <a:srgbClr val="FFFFFF"/>
+                </a:solidFill>
+              </a14:hiddenFill>
+            </a:ext>
+          </a:extLst>
+        </p:spPr>
+      </p:pic>
+      <p:pic>
+        <p:nvPicPr>
+          <p:cNvPr id="6" name="Picture 10" descr="Image result for google cloud platform geocoding">
+            <a:extLst>
+              <a:ext uri="{FF2B5EF4-FFF2-40B4-BE49-F238E27FC236}">
+                <a16:creationId xmlns:a16="http://schemas.microsoft.com/office/drawing/2014/main" id="{F47E3927-AC1A-493D-BB89-8A9911061CB3}"/>
+              </a:ext>
+            </a:extLst>
+          </p:cNvPr>
+          <p:cNvPicPr>
+            <a:picLocks noChangeAspect="1" noChangeArrowheads="1"/>
+          </p:cNvPicPr>
+          <p:nvPr/>
+        </p:nvPicPr>
+        <p:blipFill>
+          <a:blip r:embed="rId4">
+            <a:extLst>
+              <a:ext uri="{28A0092B-C50C-407E-A947-70E740481C1C}">
+                <a14:useLocalDpi xmlns:a14="http://schemas.microsoft.com/office/drawing/2010/main" val="0"/>
+              </a:ext>
+            </a:extLst>
+          </a:blip>
+          <a:srcRect/>
+          <a:stretch>
+            <a:fillRect/>
+          </a:stretch>
+        </p:blipFill>
+        <p:spPr bwMode="auto">
+          <a:xfrm>
+            <a:off x="6096000" y="-2196673"/>
+            <a:ext cx="1799828" cy="1799828"/>
+          </a:xfrm>
+          <a:prstGeom prst="rect">
+            <a:avLst/>
+          </a:prstGeom>
+          <a:noFill/>
+          <a:extLst>
+            <a:ext uri="{909E8E84-426E-40DD-AFC4-6F175D3DCCD1}">
+              <a14:hiddenFill xmlns:a14="http://schemas.microsoft.com/office/drawing/2010/main">
+                <a:solidFill>
+                  <a:srgbClr val="FFFFFF"/>
+                </a:solidFill>
+              </a14:hiddenFill>
+            </a:ext>
+          </a:extLst>
+        </p:spPr>
+      </p:pic>
+      <p:pic>
+        <p:nvPicPr>
+          <p:cNvPr id="7" name="Picture 12" descr="Image result for google cloud">
+            <a:extLst>
+              <a:ext uri="{FF2B5EF4-FFF2-40B4-BE49-F238E27FC236}">
+                <a16:creationId xmlns:a16="http://schemas.microsoft.com/office/drawing/2014/main" id="{87F22075-F8D5-4389-992F-67585295EDC5}"/>
+              </a:ext>
+            </a:extLst>
+          </p:cNvPr>
+          <p:cNvPicPr>
+            <a:picLocks noChangeAspect="1" noChangeArrowheads="1"/>
+          </p:cNvPicPr>
+          <p:nvPr/>
+        </p:nvPicPr>
+        <p:blipFill>
+          <a:blip r:embed="rId5">
+            <a:extLst>
+              <a:ext uri="{28A0092B-C50C-407E-A947-70E740481C1C}">
+                <a14:useLocalDpi xmlns:a14="http://schemas.microsoft.com/office/drawing/2010/main" val="0"/>
+              </a:ext>
+            </a:extLst>
+          </a:blip>
+          <a:srcRect/>
+          <a:stretch>
+            <a:fillRect/>
+          </a:stretch>
+        </p:blipFill>
+        <p:spPr bwMode="auto">
+          <a:xfrm>
+            <a:off x="2115727" y="-2196673"/>
+            <a:ext cx="1501266" cy="1501266"/>
+          </a:xfrm>
+          <a:prstGeom prst="rect">
+            <a:avLst/>
+          </a:prstGeom>
+          <a:noFill/>
+          <a:extLst>
+            <a:ext uri="{909E8E84-426E-40DD-AFC4-6F175D3DCCD1}">
+              <a14:hiddenFill xmlns:a14="http://schemas.microsoft.com/office/drawing/2010/main">
+                <a:solidFill>
+                  <a:srgbClr val="FFFFFF"/>
+                </a:solidFill>
+              </a14:hiddenFill>
+            </a:ext>
+          </a:extLst>
+        </p:spPr>
+      </p:pic>
+      <p:pic>
+        <p:nvPicPr>
+          <p:cNvPr id="8" name="Picture 22" descr="Image result for leaflet js">
+            <a:extLst>
+              <a:ext uri="{FF2B5EF4-FFF2-40B4-BE49-F238E27FC236}">
+                <a16:creationId xmlns:a16="http://schemas.microsoft.com/office/drawing/2014/main" id="{06B2680E-FA21-404D-A409-A911F50169C0}"/>
+              </a:ext>
+            </a:extLst>
+          </p:cNvPr>
+          <p:cNvPicPr>
+            <a:picLocks noChangeAspect="1" noChangeArrowheads="1"/>
+          </p:cNvPicPr>
+          <p:nvPr/>
+        </p:nvPicPr>
+        <p:blipFill>
+          <a:blip r:embed="rId6">
+            <a:extLst>
+              <a:ext uri="{BEBA8EAE-BF5A-486C-A8C5-ECC9F3942E4B}">
+                <a14:imgProps xmlns:a14="http://schemas.microsoft.com/office/drawing/2010/main">
+                  <a14:imgLayer r:embed="rId7">
+                    <a14:imgEffect>
+                      <a14:backgroundRemoval t="1500" b="94000" l="3750" r="90000">
+                        <a14:foregroundMark x1="71250" y1="8750" x2="75000" y2="5250"/>
+                        <a14:foregroundMark x1="11000" y1="94000" x2="20500" y2="88000"/>
+                        <a14:foregroundMark x1="6000" y1="93500" x2="3750" y2="93000"/>
+                        <a14:foregroundMark x1="76250" y1="1500" x2="76250" y2="1500"/>
+                      </a14:backgroundRemoval>
+                    </a14:imgEffect>
+                  </a14:imgLayer>
+                </a14:imgProps>
+              </a:ext>
+              <a:ext uri="{28A0092B-C50C-407E-A947-70E740481C1C}">
+                <a14:useLocalDpi xmlns:a14="http://schemas.microsoft.com/office/drawing/2010/main" val="0"/>
+              </a:ext>
+            </a:extLst>
+          </a:blip>
+          <a:srcRect/>
+          <a:stretch>
+            <a:fillRect/>
+          </a:stretch>
+        </p:blipFill>
+        <p:spPr bwMode="auto">
+          <a:xfrm>
+            <a:off x="144867" y="7304132"/>
+            <a:ext cx="1702341" cy="1702341"/>
+          </a:xfrm>
+          <a:prstGeom prst="rect">
+            <a:avLst/>
+          </a:prstGeom>
+          <a:noFill/>
+          <a:extLst>
+            <a:ext uri="{909E8E84-426E-40DD-AFC4-6F175D3DCCD1}">
+              <a14:hiddenFill xmlns:a14="http://schemas.microsoft.com/office/drawing/2010/main">
+                <a:solidFill>
+                  <a:srgbClr val="FFFFFF"/>
+                </a:solidFill>
+              </a14:hiddenFill>
+            </a:ext>
+          </a:extLst>
+        </p:spPr>
+      </p:pic>
+      <p:pic>
+        <p:nvPicPr>
+          <p:cNvPr id="9" name="Picture 26" descr="Image result for material ui">
+            <a:extLst>
+              <a:ext uri="{FF2B5EF4-FFF2-40B4-BE49-F238E27FC236}">
+                <a16:creationId xmlns:a16="http://schemas.microsoft.com/office/drawing/2014/main" id="{633DAE0E-ED0C-44B0-9571-07F532E17AAF}"/>
+              </a:ext>
+            </a:extLst>
+          </p:cNvPr>
+          <p:cNvPicPr>
+            <a:picLocks noChangeAspect="1" noChangeArrowheads="1"/>
+          </p:cNvPicPr>
+          <p:nvPr/>
+        </p:nvPicPr>
+        <p:blipFill>
+          <a:blip r:embed="rId8">
+            <a:extLst>
+              <a:ext uri="{BEBA8EAE-BF5A-486C-A8C5-ECC9F3942E4B}">
+                <a14:imgProps xmlns:a14="http://schemas.microsoft.com/office/drawing/2010/main">
+                  <a14:imgLayer r:embed="rId9">
+                    <a14:imgEffect>
+                      <a14:backgroundRemoval t="10000" b="90000" l="10000" r="90000">
+                        <a14:foregroundMark x1="76875" y1="31667" x2="76458" y2="33125"/>
+                      </a14:backgroundRemoval>
+                    </a14:imgEffect>
+                  </a14:imgLayer>
+                </a14:imgProps>
+              </a:ext>
+              <a:ext uri="{28A0092B-C50C-407E-A947-70E740481C1C}">
+                <a14:useLocalDpi xmlns:a14="http://schemas.microsoft.com/office/drawing/2010/main" val="0"/>
+              </a:ext>
+            </a:extLst>
+          </a:blip>
+          <a:srcRect/>
+          <a:stretch>
+            <a:fillRect/>
+          </a:stretch>
+        </p:blipFill>
+        <p:spPr bwMode="auto">
+          <a:xfrm>
+            <a:off x="4619625" y="7049836"/>
+            <a:ext cx="2952750" cy="2952750"/>
+          </a:xfrm>
+          <a:prstGeom prst="rect">
+            <a:avLst/>
+          </a:prstGeom>
+          <a:noFill/>
+          <a:extLst>
+            <a:ext uri="{909E8E84-426E-40DD-AFC4-6F175D3DCCD1}">
+              <a14:hiddenFill xmlns:a14="http://schemas.microsoft.com/office/drawing/2010/main">
+                <a:solidFill>
+                  <a:srgbClr val="FFFFFF"/>
+                </a:solidFill>
+              </a14:hiddenFill>
+            </a:ext>
+          </a:extLst>
+        </p:spPr>
+      </p:pic>
+      <p:pic>
+        <p:nvPicPr>
+          <p:cNvPr id="10" name="Picture 32" descr="Image result for firebase logo">
+            <a:extLst>
+              <a:ext uri="{FF2B5EF4-FFF2-40B4-BE49-F238E27FC236}">
+                <a16:creationId xmlns:a16="http://schemas.microsoft.com/office/drawing/2014/main" id="{9DCC2F31-EE84-4C80-9D89-E041B5E3D84A}"/>
+              </a:ext>
+            </a:extLst>
+          </p:cNvPr>
+          <p:cNvPicPr>
+            <a:picLocks noChangeAspect="1" noChangeArrowheads="1"/>
+          </p:cNvPicPr>
+          <p:nvPr/>
+        </p:nvPicPr>
+        <p:blipFill>
+          <a:blip r:embed="rId10">
+            <a:extLst>
+              <a:ext uri="{28A0092B-C50C-407E-A947-70E740481C1C}">
+                <a14:useLocalDpi xmlns:a14="http://schemas.microsoft.com/office/drawing/2010/main" val="0"/>
+              </a:ext>
+            </a:extLst>
+          </a:blip>
+          <a:srcRect/>
+          <a:stretch>
+            <a:fillRect/>
+          </a:stretch>
+        </p:blipFill>
+        <p:spPr bwMode="auto">
+          <a:xfrm>
+            <a:off x="-2116480" y="2171562"/>
+            <a:ext cx="1375286" cy="2240385"/>
+          </a:xfrm>
+          <a:prstGeom prst="rect">
+            <a:avLst/>
+          </a:prstGeom>
+          <a:noFill/>
+          <a:extLst>
+            <a:ext uri="{909E8E84-426E-40DD-AFC4-6F175D3DCCD1}">
+              <a14:hiddenFill xmlns:a14="http://schemas.microsoft.com/office/drawing/2010/main">
+                <a:solidFill>
+                  <a:srgbClr val="FFFFFF"/>
+                </a:solidFill>
+              </a14:hiddenFill>
+            </a:ext>
+          </a:extLst>
+        </p:spPr>
+      </p:pic>
+      <p:pic>
+        <p:nvPicPr>
+          <p:cNvPr id="11" name="Picture 2">
+            <a:extLst>
+              <a:ext uri="{FF2B5EF4-FFF2-40B4-BE49-F238E27FC236}">
+                <a16:creationId xmlns:a16="http://schemas.microsoft.com/office/drawing/2014/main" id="{D570FDD7-D055-4392-A16B-305A0E10FD63}"/>
+              </a:ext>
+            </a:extLst>
+          </p:cNvPr>
+          <p:cNvPicPr>
+            <a:picLocks noChangeAspect="1" noChangeArrowheads="1"/>
+          </p:cNvPicPr>
+          <p:nvPr/>
+        </p:nvPicPr>
+        <p:blipFill>
+          <a:blip r:embed="rId11">
+            <a:extLst>
+              <a:ext uri="{28A0092B-C50C-407E-A947-70E740481C1C}">
+                <a14:useLocalDpi xmlns:a14="http://schemas.microsoft.com/office/drawing/2010/main" val="0"/>
+              </a:ext>
+            </a:extLst>
+          </a:blip>
+          <a:srcRect/>
+          <a:stretch>
+            <a:fillRect/>
+          </a:stretch>
+        </p:blipFill>
+        <p:spPr bwMode="auto">
+          <a:xfrm>
+            <a:off x="2409825" y="7834995"/>
+            <a:ext cx="2324100" cy="2324100"/>
+          </a:xfrm>
+          <a:prstGeom prst="rect">
+            <a:avLst/>
+          </a:prstGeom>
+          <a:noFill/>
+          <a:extLst>
+            <a:ext uri="{909E8E84-426E-40DD-AFC4-6F175D3DCCD1}">
+              <a14:hiddenFill xmlns:a14="http://schemas.microsoft.com/office/drawing/2010/main">
+                <a:solidFill>
+                  <a:srgbClr val="FFFFFF"/>
+                </a:solidFill>
+              </a14:hiddenFill>
+            </a:ext>
+          </a:extLst>
+        </p:spPr>
+      </p:pic>
+      <p:pic>
+        <p:nvPicPr>
+          <p:cNvPr id="12" name="Picture 4">
+            <a:extLst>
+              <a:ext uri="{FF2B5EF4-FFF2-40B4-BE49-F238E27FC236}">
+                <a16:creationId xmlns:a16="http://schemas.microsoft.com/office/drawing/2014/main" id="{5ADDD70A-8245-4D60-8C70-E06F7D5B5C78}"/>
+              </a:ext>
+            </a:extLst>
+          </p:cNvPr>
+          <p:cNvPicPr>
+            <a:picLocks noChangeAspect="1" noChangeArrowheads="1"/>
+          </p:cNvPicPr>
+          <p:nvPr/>
+        </p:nvPicPr>
+        <p:blipFill>
+          <a:blip r:embed="rId12">
+            <a:extLst>
+              <a:ext uri="{28A0092B-C50C-407E-A947-70E740481C1C}">
+                <a14:useLocalDpi xmlns:a14="http://schemas.microsoft.com/office/drawing/2010/main" val="0"/>
+              </a:ext>
+            </a:extLst>
+          </a:blip>
+          <a:srcRect/>
+          <a:stretch>
+            <a:fillRect/>
+          </a:stretch>
+        </p:blipFill>
+        <p:spPr bwMode="auto">
+          <a:xfrm>
+            <a:off x="7362824" y="7834996"/>
+            <a:ext cx="2324099" cy="2324099"/>
+          </a:xfrm>
+          <a:prstGeom prst="rect">
+            <a:avLst/>
+          </a:prstGeom>
+          <a:noFill/>
+          <a:extLst>
+            <a:ext uri="{909E8E84-426E-40DD-AFC4-6F175D3DCCD1}">
+              <a14:hiddenFill xmlns:a14="http://schemas.microsoft.com/office/drawing/2010/main">
+                <a:solidFill>
+                  <a:srgbClr val="FFFFFF"/>
+                </a:solidFill>
+              </a14:hiddenFill>
+            </a:ext>
+          </a:extLst>
+        </p:spPr>
+      </p:pic>
+      <p:sp>
+        <p:nvSpPr>
+          <p:cNvPr id="13" name="TextBox 12">
+            <a:extLst>
+              <a:ext uri="{FF2B5EF4-FFF2-40B4-BE49-F238E27FC236}">
+                <a16:creationId xmlns:a16="http://schemas.microsoft.com/office/drawing/2014/main" id="{A088772C-EFCE-43A4-9436-EFEF28BBD8A4}"/>
+              </a:ext>
+            </a:extLst>
+          </p:cNvPr>
+          <p:cNvSpPr txBox="1"/>
+          <p:nvPr/>
+        </p:nvSpPr>
+        <p:spPr>
+          <a:xfrm>
+            <a:off x="3038475" y="10398405"/>
+            <a:ext cx="1072730" cy="477054"/>
+          </a:xfrm>
+          <a:prstGeom prst="rect">
+            <a:avLst/>
+          </a:prstGeom>
+          <a:noFill/>
+        </p:spPr>
+        <p:txBody>
+          <a:bodyPr wrap="none" rtlCol="0">
+            <a:spAutoFit/>
+          </a:bodyPr>
+          <a:lstStyle/>
+          <a:p>
+            <a:r>
+              <a:rPr lang="en-US" sz="2500" dirty="0" err="1"/>
+              <a:t>Github</a:t>
+            </a:r>
+            <a:endParaRPr lang="en-US" sz="2500" dirty="0"/>
+          </a:p>
+        </p:txBody>
+      </p:sp>
+      <p:sp>
+        <p:nvSpPr>
+          <p:cNvPr id="14" name="TextBox 13">
+            <a:extLst>
+              <a:ext uri="{FF2B5EF4-FFF2-40B4-BE49-F238E27FC236}">
+                <a16:creationId xmlns:a16="http://schemas.microsoft.com/office/drawing/2014/main" id="{0311D647-B3EF-42A8-B92A-7F21A73F7F57}"/>
+              </a:ext>
+            </a:extLst>
+          </p:cNvPr>
+          <p:cNvSpPr txBox="1"/>
+          <p:nvPr/>
+        </p:nvSpPr>
+        <p:spPr>
+          <a:xfrm>
+            <a:off x="8171250" y="10398405"/>
+            <a:ext cx="707245" cy="477054"/>
+          </a:xfrm>
+          <a:prstGeom prst="rect">
+            <a:avLst/>
+          </a:prstGeom>
+          <a:noFill/>
+        </p:spPr>
+        <p:txBody>
+          <a:bodyPr wrap="none" rtlCol="0">
+            <a:spAutoFit/>
+          </a:bodyPr>
+          <a:lstStyle/>
+          <a:p>
+            <a:r>
+              <a:rPr lang="en-US" sz="2500" dirty="0"/>
+              <a:t>App</a:t>
+            </a:r>
+          </a:p>
+        </p:txBody>
+      </p:sp>
+    </p:spTree>
+    <p:extLst>
+      <p:ext uri="{BB962C8B-B14F-4D97-AF65-F5344CB8AC3E}">
+        <p14:creationId xmlns:p14="http://schemas.microsoft.com/office/powerpoint/2010/main" val="1041131117"/>
+      </p:ext>
+    </p:extLst>
+  </p:cSld>
+  <p:clrMapOvr>
+    <a:masterClrMapping/>
+  </p:clrMapOvr>
+  <mc:AlternateContent xmlns:mc="http://schemas.openxmlformats.org/markup-compatibility/2006">
+    <mc:Choice xmlns:p159="http://schemas.microsoft.com/office/powerpoint/2015/09/main" Requires="p159">
+      <p:transition>
+        <p159:morph option="byObject"/>
+      </p:transition>
+    </mc:Choice>
+    <mc:Fallback>
+      <p:transition>
+        <p:fade/>
+      </p:transition>
+    </mc:Fallback>
+  </mc:AlternateContent>
+</p:sld>
+</file>
+
+<file path=ppt/slides/slide17.xml><?xml version="1.0" encoding="utf-8"?>
+<p:sld xmlns:a="http://schemas.openxmlformats.org/drawingml/2006/main" xmlns:r="http://schemas.openxmlformats.org/officeDocument/2006/relationships" xmlns:p="http://schemas.openxmlformats.org/presentationml/2006/main">
+  <p:cSld>
+    <p:spTree>
+      <p:nvGrpSpPr>
+        <p:cNvPr id="1" name=""/>
+        <p:cNvGrpSpPr/>
+        <p:nvPr/>
+      </p:nvGrpSpPr>
+      <p:grpSpPr>
+        <a:xfrm>
+          <a:off x="0" y="0"/>
+          <a:ext cx="0" cy="0"/>
+          <a:chOff x="0" y="0"/>
+          <a:chExt cx="0" cy="0"/>
+        </a:xfrm>
+      </p:grpSpPr>
+      <p:sp>
+        <p:nvSpPr>
+          <p:cNvPr id="2" name="Title 1">
+            <a:extLst>
+              <a:ext uri="{FF2B5EF4-FFF2-40B4-BE49-F238E27FC236}">
+                <a16:creationId xmlns:a16="http://schemas.microsoft.com/office/drawing/2014/main" id="{648DE492-566D-4BAA-947A-82A81B19B5C4}"/>
+              </a:ext>
+            </a:extLst>
+          </p:cNvPr>
+          <p:cNvSpPr>
+            <a:spLocks noGrp="1"/>
+          </p:cNvSpPr>
+          <p:nvPr>
+            <p:ph type="ctrTitle"/>
+          </p:nvPr>
+        </p:nvSpPr>
+        <p:spPr>
+          <a:xfrm>
+            <a:off x="1524000" y="627063"/>
+            <a:ext cx="9144000" cy="2387600"/>
+          </a:xfrm>
+        </p:spPr>
+        <p:txBody>
+          <a:bodyPr>
+            <a:normAutofit fontScale="90000"/>
+          </a:bodyPr>
+          <a:lstStyle/>
+          <a:p>
+            <a:r>
+              <a:rPr lang="en-US" dirty="0"/>
+              <a:t>Thank you for listening! </a:t>
+            </a:r>
+            <a:br>
+              <a:rPr lang="en-US" dirty="0"/>
+            </a:br>
+            <a:br>
+              <a:rPr lang="en-US" dirty="0"/>
+            </a:br>
+            <a:r>
+              <a:rPr lang="en-US" dirty="0"/>
+              <a:t>Questions? Comments?</a:t>
+            </a:r>
+          </a:p>
+        </p:txBody>
+      </p:sp>
+      <p:pic>
+        <p:nvPicPr>
+          <p:cNvPr id="2050" name="Picture 2">
+            <a:extLst>
+              <a:ext uri="{FF2B5EF4-FFF2-40B4-BE49-F238E27FC236}">
+                <a16:creationId xmlns:a16="http://schemas.microsoft.com/office/drawing/2014/main" id="{80FA3697-0A45-44BD-85F9-FC04F4752537}"/>
+              </a:ext>
+            </a:extLst>
+          </p:cNvPr>
+          <p:cNvPicPr>
+            <a:picLocks noChangeAspect="1" noChangeArrowheads="1"/>
+          </p:cNvPicPr>
+          <p:nvPr/>
+        </p:nvPicPr>
+        <p:blipFill>
+          <a:blip r:embed="rId2">
+            <a:extLst>
+              <a:ext uri="{28A0092B-C50C-407E-A947-70E740481C1C}">
+                <a14:useLocalDpi xmlns:a14="http://schemas.microsoft.com/office/drawing/2010/main" val="0"/>
+              </a:ext>
+            </a:extLst>
+          </a:blip>
+          <a:srcRect/>
+          <a:stretch>
+            <a:fillRect/>
+          </a:stretch>
+        </p:blipFill>
+        <p:spPr bwMode="auto">
+          <a:xfrm>
+            <a:off x="2409825" y="3429000"/>
+            <a:ext cx="2324100" cy="2324100"/>
+          </a:xfrm>
+          <a:prstGeom prst="rect">
+            <a:avLst/>
+          </a:prstGeom>
+          <a:noFill/>
+          <a:extLst>
+            <a:ext uri="{909E8E84-426E-40DD-AFC4-6F175D3DCCD1}">
+              <a14:hiddenFill xmlns:a14="http://schemas.microsoft.com/office/drawing/2010/main">
+                <a:solidFill>
+                  <a:srgbClr val="FFFFFF"/>
+                </a:solidFill>
+              </a14:hiddenFill>
+            </a:ext>
+          </a:extLst>
+        </p:spPr>
+      </p:pic>
+      <p:pic>
+        <p:nvPicPr>
+          <p:cNvPr id="2052" name="Picture 4">
+            <a:extLst>
+              <a:ext uri="{FF2B5EF4-FFF2-40B4-BE49-F238E27FC236}">
+                <a16:creationId xmlns:a16="http://schemas.microsoft.com/office/drawing/2014/main" id="{A35DF406-5C40-47F3-8A6C-72310A6A7BC9}"/>
+              </a:ext>
+            </a:extLst>
+          </p:cNvPr>
+          <p:cNvPicPr>
+            <a:picLocks noChangeAspect="1" noChangeArrowheads="1"/>
+          </p:cNvPicPr>
+          <p:nvPr/>
+        </p:nvPicPr>
+        <p:blipFill>
+          <a:blip r:embed="rId3">
+            <a:extLst>
+              <a:ext uri="{28A0092B-C50C-407E-A947-70E740481C1C}">
+                <a14:useLocalDpi xmlns:a14="http://schemas.microsoft.com/office/drawing/2010/main" val="0"/>
+              </a:ext>
+            </a:extLst>
+          </a:blip>
+          <a:srcRect/>
+          <a:stretch>
+            <a:fillRect/>
+          </a:stretch>
+        </p:blipFill>
+        <p:spPr bwMode="auto">
+          <a:xfrm>
+            <a:off x="7362824" y="3429001"/>
+            <a:ext cx="2324099" cy="2324099"/>
+          </a:xfrm>
+          <a:prstGeom prst="rect">
+            <a:avLst/>
+          </a:prstGeom>
+          <a:noFill/>
+          <a:extLst>
+            <a:ext uri="{909E8E84-426E-40DD-AFC4-6F175D3DCCD1}">
+              <a14:hiddenFill xmlns:a14="http://schemas.microsoft.com/office/drawing/2010/main">
+                <a:solidFill>
+                  <a:srgbClr val="FFFFFF"/>
+                </a:solidFill>
+              </a14:hiddenFill>
+            </a:ext>
+          </a:extLst>
+        </p:spPr>
+      </p:pic>
+      <p:sp>
+        <p:nvSpPr>
+          <p:cNvPr id="4" name="TextBox 3">
+            <a:extLst>
+              <a:ext uri="{FF2B5EF4-FFF2-40B4-BE49-F238E27FC236}">
+                <a16:creationId xmlns:a16="http://schemas.microsoft.com/office/drawing/2014/main" id="{D648809F-E590-4D9B-9F7F-32F8E53E1A0D}"/>
+              </a:ext>
+            </a:extLst>
+          </p:cNvPr>
+          <p:cNvSpPr txBox="1"/>
+          <p:nvPr/>
+        </p:nvSpPr>
+        <p:spPr>
+          <a:xfrm>
+            <a:off x="3038475" y="5992410"/>
+            <a:ext cx="1072730" cy="477054"/>
+          </a:xfrm>
+          <a:prstGeom prst="rect">
+            <a:avLst/>
+          </a:prstGeom>
+          <a:noFill/>
+        </p:spPr>
+        <p:txBody>
+          <a:bodyPr wrap="none" rtlCol="0">
+            <a:spAutoFit/>
+          </a:bodyPr>
+          <a:lstStyle/>
+          <a:p>
+            <a:r>
+              <a:rPr lang="en-US" sz="2500" dirty="0" err="1"/>
+              <a:t>Github</a:t>
+            </a:r>
+            <a:endParaRPr lang="en-US" sz="2500" dirty="0"/>
+          </a:p>
+        </p:txBody>
+      </p:sp>
+      <p:sp>
+        <p:nvSpPr>
+          <p:cNvPr id="7" name="TextBox 6">
+            <a:extLst>
+              <a:ext uri="{FF2B5EF4-FFF2-40B4-BE49-F238E27FC236}">
+                <a16:creationId xmlns:a16="http://schemas.microsoft.com/office/drawing/2014/main" id="{CC892E7A-423A-4ADE-BAF7-D70965C1DA86}"/>
+              </a:ext>
+            </a:extLst>
+          </p:cNvPr>
+          <p:cNvSpPr txBox="1"/>
+          <p:nvPr/>
+        </p:nvSpPr>
+        <p:spPr>
+          <a:xfrm>
+            <a:off x="8171250" y="5992410"/>
+            <a:ext cx="707245" cy="477054"/>
+          </a:xfrm>
+          <a:prstGeom prst="rect">
+            <a:avLst/>
+          </a:prstGeom>
+          <a:noFill/>
+        </p:spPr>
+        <p:txBody>
+          <a:bodyPr wrap="none" rtlCol="0">
+            <a:spAutoFit/>
+          </a:bodyPr>
+          <a:lstStyle/>
+          <a:p>
+            <a:r>
+              <a:rPr lang="en-US" sz="2500" dirty="0"/>
+              <a:t>App</a:t>
+            </a:r>
+          </a:p>
+        </p:txBody>
+      </p:sp>
+    </p:spTree>
+    <p:extLst>
+      <p:ext uri="{BB962C8B-B14F-4D97-AF65-F5344CB8AC3E}">
+        <p14:creationId xmlns:p14="http://schemas.microsoft.com/office/powerpoint/2010/main" val="450223677"/>
+      </p:ext>
+    </p:extLst>
+  </p:cSld>
+  <p:clrMapOvr>
+    <a:masterClrMapping/>
+  </p:clrMapOvr>
+  <mc:AlternateContent xmlns:mc="http://schemas.openxmlformats.org/markup-compatibility/2006">
+    <mc:Choice xmlns:p159="http://schemas.microsoft.com/office/powerpoint/2015/09/main" Requires="p159">
+      <p:transition>
         <p159:morph option="byObject"/>
       </p:transition>
     </mc:Choice>
@@ -3609,7 +6028,7 @@
   </p:clrMapOvr>
   <mc:AlternateContent xmlns:mc="http://schemas.openxmlformats.org/markup-compatibility/2006">
     <mc:Choice xmlns:p159="http://schemas.microsoft.com/office/powerpoint/2015/09/main" Requires="p159">
-      <p:transition xmlns:p14="http://schemas.microsoft.com/office/powerpoint/2010/main" p14:dur="250">
+      <p:transition>
         <p159:morph option="byObject"/>
       </p:transition>
     </mc:Choice>
@@ -3974,7 +6393,7 @@
   </p:clrMapOvr>
   <mc:AlternateContent xmlns:mc="http://schemas.openxmlformats.org/markup-compatibility/2006">
     <mc:Choice xmlns:p159="http://schemas.microsoft.com/office/powerpoint/2015/09/main" Requires="p159">
-      <p:transition xmlns:p14="http://schemas.microsoft.com/office/powerpoint/2010/main" p14:dur="250">
+      <p:transition>
         <p159:morph option="byObject"/>
       </p:transition>
     </mc:Choice>
@@ -4345,7 +6764,7 @@
   </p:clrMapOvr>
   <mc:AlternateContent xmlns:mc="http://schemas.openxmlformats.org/markup-compatibility/2006">
     <mc:Choice xmlns:p159="http://schemas.microsoft.com/office/powerpoint/2015/09/main" Requires="p159">
-      <p:transition xmlns:p14="http://schemas.microsoft.com/office/powerpoint/2010/main" p14:dur="250">
+      <p:transition>
         <p159:morph option="byObject"/>
       </p:transition>
     </mc:Choice>
@@ -4553,7 +6972,7 @@
   </p:clrMapOvr>
   <mc:AlternateContent xmlns:mc="http://schemas.openxmlformats.org/markup-compatibility/2006">
     <mc:Choice xmlns:p159="http://schemas.microsoft.com/office/powerpoint/2015/09/main" Requires="p159">
-      <p:transition xmlns:p14="http://schemas.microsoft.com/office/powerpoint/2010/main" p14:dur="250">
+      <p:transition>
         <p159:morph option="byObject"/>
       </p:transition>
     </mc:Choice>
@@ -4597,7 +7016,7 @@
         </p:nvSpPr>
         <p:spPr>
           <a:xfrm>
-            <a:off x="1850810" y="5873234"/>
+            <a:off x="1850810" y="6197084"/>
             <a:ext cx="3918380" cy="369332"/>
           </a:xfrm>
           <a:prstGeom prst="rect">
@@ -4639,7 +7058,7 @@
         </p:blipFill>
         <p:spPr>
           <a:xfrm>
-            <a:off x="552450" y="682482"/>
+            <a:off x="552450" y="1006332"/>
             <a:ext cx="6515100" cy="5112036"/>
           </a:xfrm>
           <a:prstGeom prst="rect">
@@ -4750,6 +7169,41 @@
             <a:r>
               <a:rPr lang="en-US" dirty="0"/>
               <a:t>Existing Solutions?</a:t>
+            </a:r>
+          </a:p>
+        </p:txBody>
+      </p:sp>
+      <p:sp>
+        <p:nvSpPr>
+          <p:cNvPr id="10" name="TextBox 9">
+            <a:extLst>
+              <a:ext uri="{FF2B5EF4-FFF2-40B4-BE49-F238E27FC236}">
+                <a16:creationId xmlns:a16="http://schemas.microsoft.com/office/drawing/2014/main" id="{86BCBEE1-B404-4C45-AE7C-0C41C28BF6B7}"/>
+              </a:ext>
+            </a:extLst>
+          </p:cNvPr>
+          <p:cNvSpPr txBox="1"/>
+          <p:nvPr/>
+        </p:nvSpPr>
+        <p:spPr>
+          <a:xfrm>
+            <a:off x="971550" y="57150"/>
+            <a:ext cx="5078891" cy="923330"/>
+          </a:xfrm>
+          <a:prstGeom prst="rect">
+            <a:avLst/>
+          </a:prstGeom>
+          <a:noFill/>
+        </p:spPr>
+        <p:txBody>
+          <a:bodyPr wrap="none" rtlCol="0">
+            <a:spAutoFit/>
+          </a:bodyPr>
+          <a:lstStyle/>
+          <a:p>
+            <a:r>
+              <a:rPr lang="en-US" sz="5400" dirty="0"/>
+              <a:t>Existing Solutions</a:t>
             </a:r>
           </a:p>
         </p:txBody>
@@ -4766,7 +7220,7 @@
   </p:clrMapOvr>
   <mc:AlternateContent xmlns:mc="http://schemas.openxmlformats.org/markup-compatibility/2006">
     <mc:Choice xmlns:p159="http://schemas.microsoft.com/office/powerpoint/2015/09/main" Requires="p159">
-      <p:transition xmlns:p14="http://schemas.microsoft.com/office/powerpoint/2010/main" p14:dur="250">
+      <p:transition>
         <p159:morph option="byObject"/>
       </p:transition>
     </mc:Choice>
@@ -4934,6 +7388,194 @@
           </a:p>
         </p:txBody>
       </p:sp>
+      <p:pic>
+        <p:nvPicPr>
+          <p:cNvPr id="9" name="Picture 8">
+            <a:extLst>
+              <a:ext uri="{FF2B5EF4-FFF2-40B4-BE49-F238E27FC236}">
+                <a16:creationId xmlns:a16="http://schemas.microsoft.com/office/drawing/2014/main" id="{7758D89A-DC5E-4989-B119-CCC725DAB80A}"/>
+              </a:ext>
+            </a:extLst>
+          </p:cNvPr>
+          <p:cNvPicPr>
+            <a:picLocks noChangeAspect="1"/>
+          </p:cNvPicPr>
+          <p:nvPr/>
+        </p:nvPicPr>
+        <p:blipFill>
+          <a:blip r:embed="rId3"/>
+          <a:stretch>
+            <a:fillRect/>
+          </a:stretch>
+        </p:blipFill>
+        <p:spPr>
+          <a:xfrm>
+            <a:off x="485655" y="1332027"/>
+            <a:ext cx="6191490" cy="4076700"/>
+          </a:xfrm>
+          <a:prstGeom prst="rect">
+            <a:avLst/>
+          </a:prstGeom>
+          <a:ln w="38100" cap="rnd">
+            <a:solidFill>
+              <a:schemeClr val="tx1"/>
+            </a:solidFill>
+          </a:ln>
+        </p:spPr>
+      </p:pic>
+      <p:sp>
+        <p:nvSpPr>
+          <p:cNvPr id="10" name="Rectangle 9">
+            <a:extLst>
+              <a:ext uri="{FF2B5EF4-FFF2-40B4-BE49-F238E27FC236}">
+                <a16:creationId xmlns:a16="http://schemas.microsoft.com/office/drawing/2014/main" id="{55E934F5-1025-4523-AC21-479842432D32}"/>
+              </a:ext>
+            </a:extLst>
+          </p:cNvPr>
+          <p:cNvSpPr/>
+          <p:nvPr/>
+        </p:nvSpPr>
+        <p:spPr>
+          <a:xfrm>
+            <a:off x="485655" y="5582335"/>
+            <a:ext cx="6096000" cy="646331"/>
+          </a:xfrm>
+          <a:prstGeom prst="rect">
+            <a:avLst/>
+          </a:prstGeom>
+        </p:spPr>
+        <p:txBody>
+          <a:bodyPr>
+            <a:spAutoFit/>
+          </a:bodyPr>
+          <a:lstStyle/>
+          <a:p>
+            <a:r>
+              <a:rPr lang="en-US" dirty="0"/>
+              <a:t>https://www.kingcounty.gov/depts/health/locations/family-planning/birth-control.aspx</a:t>
+            </a:r>
+          </a:p>
+        </p:txBody>
+      </p:sp>
+      <p:sp>
+        <p:nvSpPr>
+          <p:cNvPr id="11" name="TextBox 10">
+            <a:extLst>
+              <a:ext uri="{FF2B5EF4-FFF2-40B4-BE49-F238E27FC236}">
+                <a16:creationId xmlns:a16="http://schemas.microsoft.com/office/drawing/2014/main" id="{1B45E3E6-A70C-4B7F-A315-D379DE819DA0}"/>
+              </a:ext>
+            </a:extLst>
+          </p:cNvPr>
+          <p:cNvSpPr txBox="1"/>
+          <p:nvPr/>
+        </p:nvSpPr>
+        <p:spPr>
+          <a:xfrm>
+            <a:off x="7038855" y="2596752"/>
+            <a:ext cx="5200650" cy="1323439"/>
+          </a:xfrm>
+          <a:prstGeom prst="rect">
+            <a:avLst/>
+          </a:prstGeom>
+          <a:noFill/>
+        </p:spPr>
+        <p:txBody>
+          <a:bodyPr wrap="square" rtlCol="0">
+            <a:spAutoFit/>
+          </a:bodyPr>
+          <a:lstStyle/>
+          <a:p>
+            <a:pPr marL="285750" indent="-285750">
+              <a:buFont typeface="Arial" panose="020B0604020202020204" pitchFamily="34" charset="0"/>
+              <a:buChar char="•"/>
+            </a:pPr>
+            <a:r>
+              <a:rPr lang="en-US" sz="4000" dirty="0"/>
+              <a:t>Localized</a:t>
+            </a:r>
+          </a:p>
+          <a:p>
+            <a:pPr marL="285750" indent="-285750">
+              <a:buFont typeface="Arial" panose="020B0604020202020204" pitchFamily="34" charset="0"/>
+              <a:buChar char="•"/>
+            </a:pPr>
+            <a:r>
+              <a:rPr lang="en-US" sz="4000" dirty="0"/>
+              <a:t>Difficult to parse</a:t>
+            </a:r>
+          </a:p>
+        </p:txBody>
+      </p:sp>
+      <p:sp>
+        <p:nvSpPr>
+          <p:cNvPr id="12" name="TextBox 11">
+            <a:extLst>
+              <a:ext uri="{FF2B5EF4-FFF2-40B4-BE49-F238E27FC236}">
+                <a16:creationId xmlns:a16="http://schemas.microsoft.com/office/drawing/2014/main" id="{C11F066E-D46E-4C86-9371-7754084AEC0C}"/>
+              </a:ext>
+            </a:extLst>
+          </p:cNvPr>
+          <p:cNvSpPr txBox="1"/>
+          <p:nvPr/>
+        </p:nvSpPr>
+        <p:spPr>
+          <a:xfrm>
+            <a:off x="4033576" y="7518737"/>
+            <a:ext cx="4124847" cy="1015663"/>
+          </a:xfrm>
+          <a:prstGeom prst="rect">
+            <a:avLst/>
+          </a:prstGeom>
+          <a:noFill/>
+        </p:spPr>
+        <p:txBody>
+          <a:bodyPr wrap="none" rtlCol="0">
+            <a:spAutoFit/>
+          </a:bodyPr>
+          <a:lstStyle/>
+          <a:p>
+            <a:r>
+              <a:rPr lang="en-US" sz="6000" dirty="0"/>
+              <a:t>Our Solution</a:t>
+            </a:r>
+          </a:p>
+        </p:txBody>
+      </p:sp>
+      <p:sp>
+        <p:nvSpPr>
+          <p:cNvPr id="13" name="TextBox 12">
+            <a:extLst>
+              <a:ext uri="{FF2B5EF4-FFF2-40B4-BE49-F238E27FC236}">
+                <a16:creationId xmlns:a16="http://schemas.microsoft.com/office/drawing/2014/main" id="{D1EB8F2D-4035-441E-9B3E-2E1651FF11C1}"/>
+              </a:ext>
+            </a:extLst>
+          </p:cNvPr>
+          <p:cNvSpPr txBox="1"/>
+          <p:nvPr/>
+        </p:nvSpPr>
+        <p:spPr>
+          <a:xfrm>
+            <a:off x="971550" y="228600"/>
+            <a:ext cx="5078891" cy="923330"/>
+          </a:xfrm>
+          <a:prstGeom prst="rect">
+            <a:avLst/>
+          </a:prstGeom>
+          <a:noFill/>
+        </p:spPr>
+        <p:txBody>
+          <a:bodyPr wrap="none" rtlCol="0">
+            <a:spAutoFit/>
+          </a:bodyPr>
+          <a:lstStyle/>
+          <a:p>
+            <a:r>
+              <a:rPr lang="en-US" sz="5400" dirty="0"/>
+              <a:t>Existing Solutions</a:t>
+            </a:r>
+          </a:p>
+        </p:txBody>
+      </p:sp>
     </p:spTree>
     <p:extLst>
       <p:ext uri="{BB962C8B-B14F-4D97-AF65-F5344CB8AC3E}">
@@ -4946,7 +7588,602 @@
   </p:clrMapOvr>
   <mc:AlternateContent xmlns:mc="http://schemas.openxmlformats.org/markup-compatibility/2006">
     <mc:Choice xmlns:p159="http://schemas.microsoft.com/office/powerpoint/2015/09/main" Requires="p159">
-      <p:transition xmlns:p14="http://schemas.microsoft.com/office/powerpoint/2010/main" p14:dur="250">
+      <p:transition>
+        <p159:morph option="byObject"/>
+      </p:transition>
+    </mc:Choice>
+    <mc:Fallback>
+      <p:transition>
+        <p:fade/>
+      </p:transition>
+    </mc:Fallback>
+  </mc:AlternateContent>
+</p:sld>
+</file>
+
+<file path=ppt/slides/slide8.xml><?xml version="1.0" encoding="utf-8"?>
+<p:sld xmlns:a="http://schemas.openxmlformats.org/drawingml/2006/main" xmlns:r="http://schemas.openxmlformats.org/officeDocument/2006/relationships" xmlns:p="http://schemas.openxmlformats.org/presentationml/2006/main">
+  <p:cSld>
+    <p:spTree>
+      <p:nvGrpSpPr>
+        <p:cNvPr id="1" name=""/>
+        <p:cNvGrpSpPr/>
+        <p:nvPr/>
+      </p:nvGrpSpPr>
+      <p:grpSpPr>
+        <a:xfrm>
+          <a:off x="0" y="0"/>
+          <a:ext cx="0" cy="0"/>
+          <a:chOff x="0" y="0"/>
+          <a:chExt cx="0" cy="0"/>
+        </a:xfrm>
+      </p:grpSpPr>
+      <p:pic>
+        <p:nvPicPr>
+          <p:cNvPr id="4" name="Picture 3">
+            <a:extLst>
+              <a:ext uri="{FF2B5EF4-FFF2-40B4-BE49-F238E27FC236}">
+                <a16:creationId xmlns:a16="http://schemas.microsoft.com/office/drawing/2014/main" id="{D166AAEE-5B97-4AB8-9AF0-0484A7692D67}"/>
+              </a:ext>
+            </a:extLst>
+          </p:cNvPr>
+          <p:cNvPicPr>
+            <a:picLocks noChangeAspect="1"/>
+          </p:cNvPicPr>
+          <p:nvPr/>
+        </p:nvPicPr>
+        <p:blipFill>
+          <a:blip r:embed="rId2"/>
+          <a:stretch>
+            <a:fillRect/>
+          </a:stretch>
+        </p:blipFill>
+        <p:spPr>
+          <a:xfrm>
+            <a:off x="295155" y="-5144973"/>
+            <a:ext cx="6191490" cy="4076700"/>
+          </a:xfrm>
+          <a:prstGeom prst="rect">
+            <a:avLst/>
+          </a:prstGeom>
+          <a:ln w="38100" cap="rnd">
+            <a:solidFill>
+              <a:schemeClr val="tx1"/>
+            </a:solidFill>
+          </a:ln>
+        </p:spPr>
+      </p:pic>
+      <p:sp>
+        <p:nvSpPr>
+          <p:cNvPr id="5" name="Rectangle 4">
+            <a:extLst>
+              <a:ext uri="{FF2B5EF4-FFF2-40B4-BE49-F238E27FC236}">
+                <a16:creationId xmlns:a16="http://schemas.microsoft.com/office/drawing/2014/main" id="{E6E9454D-CE1E-4DC3-8A57-05D04E26F678}"/>
+              </a:ext>
+            </a:extLst>
+          </p:cNvPr>
+          <p:cNvSpPr/>
+          <p:nvPr/>
+        </p:nvSpPr>
+        <p:spPr>
+          <a:xfrm>
+            <a:off x="295155" y="-894665"/>
+            <a:ext cx="6096000" cy="646331"/>
+          </a:xfrm>
+          <a:prstGeom prst="rect">
+            <a:avLst/>
+          </a:prstGeom>
+        </p:spPr>
+        <p:txBody>
+          <a:bodyPr>
+            <a:spAutoFit/>
+          </a:bodyPr>
+          <a:lstStyle/>
+          <a:p>
+            <a:r>
+              <a:rPr lang="en-US" dirty="0"/>
+              <a:t>https://www.kingcounty.gov/depts/health/locations/family-planning/birth-control.aspx</a:t>
+            </a:r>
+          </a:p>
+        </p:txBody>
+      </p:sp>
+      <p:sp>
+        <p:nvSpPr>
+          <p:cNvPr id="6" name="TextBox 5">
+            <a:extLst>
+              <a:ext uri="{FF2B5EF4-FFF2-40B4-BE49-F238E27FC236}">
+                <a16:creationId xmlns:a16="http://schemas.microsoft.com/office/drawing/2014/main" id="{607BF212-B1D7-41FC-8687-B50AF33D9D41}"/>
+              </a:ext>
+            </a:extLst>
+          </p:cNvPr>
+          <p:cNvSpPr txBox="1"/>
+          <p:nvPr/>
+        </p:nvSpPr>
+        <p:spPr>
+          <a:xfrm>
+            <a:off x="6848355" y="-3708798"/>
+            <a:ext cx="5200650" cy="1323439"/>
+          </a:xfrm>
+          <a:prstGeom prst="rect">
+            <a:avLst/>
+          </a:prstGeom>
+          <a:noFill/>
+        </p:spPr>
+        <p:txBody>
+          <a:bodyPr wrap="square" rtlCol="0">
+            <a:spAutoFit/>
+          </a:bodyPr>
+          <a:lstStyle/>
+          <a:p>
+            <a:pPr marL="285750" indent="-285750">
+              <a:buFont typeface="Arial" panose="020B0604020202020204" pitchFamily="34" charset="0"/>
+              <a:buChar char="•"/>
+            </a:pPr>
+            <a:r>
+              <a:rPr lang="en-US" sz="4000" dirty="0"/>
+              <a:t>Localized</a:t>
+            </a:r>
+          </a:p>
+          <a:p>
+            <a:pPr marL="285750" indent="-285750">
+              <a:buFont typeface="Arial" panose="020B0604020202020204" pitchFamily="34" charset="0"/>
+              <a:buChar char="•"/>
+            </a:pPr>
+            <a:r>
+              <a:rPr lang="en-US" sz="4000" dirty="0"/>
+              <a:t>Difficult to parse</a:t>
+            </a:r>
+          </a:p>
+        </p:txBody>
+      </p:sp>
+      <p:sp>
+        <p:nvSpPr>
+          <p:cNvPr id="9" name="TextBox 8">
+            <a:extLst>
+              <a:ext uri="{FF2B5EF4-FFF2-40B4-BE49-F238E27FC236}">
+                <a16:creationId xmlns:a16="http://schemas.microsoft.com/office/drawing/2014/main" id="{0680F109-D127-42C4-AE6F-4455C1FC5F1D}"/>
+              </a:ext>
+            </a:extLst>
+          </p:cNvPr>
+          <p:cNvSpPr txBox="1"/>
+          <p:nvPr/>
+        </p:nvSpPr>
+        <p:spPr>
+          <a:xfrm>
+            <a:off x="4033576" y="2413337"/>
+            <a:ext cx="4124847" cy="1015663"/>
+          </a:xfrm>
+          <a:prstGeom prst="rect">
+            <a:avLst/>
+          </a:prstGeom>
+          <a:noFill/>
+        </p:spPr>
+        <p:txBody>
+          <a:bodyPr wrap="none" rtlCol="0">
+            <a:spAutoFit/>
+          </a:bodyPr>
+          <a:lstStyle/>
+          <a:p>
+            <a:r>
+              <a:rPr lang="en-US" sz="6000" dirty="0"/>
+              <a:t>Our Solution</a:t>
+            </a:r>
+          </a:p>
+        </p:txBody>
+      </p:sp>
+      <p:sp>
+        <p:nvSpPr>
+          <p:cNvPr id="10" name="TextBox 9">
+            <a:extLst>
+              <a:ext uri="{FF2B5EF4-FFF2-40B4-BE49-F238E27FC236}">
+                <a16:creationId xmlns:a16="http://schemas.microsoft.com/office/drawing/2014/main" id="{78815FEB-779B-4A57-87EB-B01A9B5A0151}"/>
+              </a:ext>
+            </a:extLst>
+          </p:cNvPr>
+          <p:cNvSpPr txBox="1"/>
+          <p:nvPr/>
+        </p:nvSpPr>
+        <p:spPr>
+          <a:xfrm>
+            <a:off x="295155" y="7318084"/>
+            <a:ext cx="2810385" cy="707886"/>
+          </a:xfrm>
+          <a:prstGeom prst="rect">
+            <a:avLst/>
+          </a:prstGeom>
+          <a:noFill/>
+        </p:spPr>
+        <p:txBody>
+          <a:bodyPr wrap="none" rtlCol="0">
+            <a:spAutoFit/>
+          </a:bodyPr>
+          <a:lstStyle/>
+          <a:p>
+            <a:r>
+              <a:rPr lang="en-US" sz="4000" dirty="0"/>
+              <a:t>Our Solution</a:t>
+            </a:r>
+          </a:p>
+        </p:txBody>
+      </p:sp>
+      <p:pic>
+        <p:nvPicPr>
+          <p:cNvPr id="11" name="Picture 10">
+            <a:extLst>
+              <a:ext uri="{FF2B5EF4-FFF2-40B4-BE49-F238E27FC236}">
+                <a16:creationId xmlns:a16="http://schemas.microsoft.com/office/drawing/2014/main" id="{9C04BF0E-B71F-4577-B80B-5D2AC99669EA}"/>
+              </a:ext>
+            </a:extLst>
+          </p:cNvPr>
+          <p:cNvPicPr>
+            <a:picLocks noChangeAspect="1"/>
+          </p:cNvPicPr>
+          <p:nvPr/>
+        </p:nvPicPr>
+        <p:blipFill>
+          <a:blip r:embed="rId3">
+            <a:extLst>
+              <a:ext uri="{28A0092B-C50C-407E-A947-70E740481C1C}">
+                <a14:useLocalDpi xmlns:a14="http://schemas.microsoft.com/office/drawing/2010/main" val="0"/>
+              </a:ext>
+            </a:extLst>
+          </a:blip>
+          <a:stretch>
+            <a:fillRect/>
+          </a:stretch>
+        </p:blipFill>
+        <p:spPr>
+          <a:xfrm>
+            <a:off x="295155" y="8227696"/>
+            <a:ext cx="2895600" cy="5160314"/>
+          </a:xfrm>
+          <a:prstGeom prst="rect">
+            <a:avLst/>
+          </a:prstGeom>
+        </p:spPr>
+      </p:pic>
+      <p:sp>
+        <p:nvSpPr>
+          <p:cNvPr id="12" name="Rectangle 11">
+            <a:extLst>
+              <a:ext uri="{FF2B5EF4-FFF2-40B4-BE49-F238E27FC236}">
+                <a16:creationId xmlns:a16="http://schemas.microsoft.com/office/drawing/2014/main" id="{3E37F0FD-F5BC-4502-965C-7F3E45302483}"/>
+              </a:ext>
+            </a:extLst>
+          </p:cNvPr>
+          <p:cNvSpPr/>
+          <p:nvPr/>
+        </p:nvSpPr>
+        <p:spPr>
+          <a:xfrm>
+            <a:off x="3424379" y="7767724"/>
+            <a:ext cx="8382000" cy="5170646"/>
+          </a:xfrm>
+          <a:prstGeom prst="rect">
+            <a:avLst/>
+          </a:prstGeom>
+        </p:spPr>
+        <p:txBody>
+          <a:bodyPr wrap="square">
+            <a:spAutoFit/>
+          </a:bodyPr>
+          <a:lstStyle/>
+          <a:p>
+            <a:pPr marL="285750" indent="-285750">
+              <a:buFont typeface="Arial" panose="020B0604020202020204" pitchFamily="34" charset="0"/>
+              <a:buChar char="•"/>
+            </a:pPr>
+            <a:r>
+              <a:rPr lang="en-US" sz="3000" dirty="0"/>
+              <a:t>Information hub for resources in the about page</a:t>
+            </a:r>
+          </a:p>
+          <a:p>
+            <a:pPr marL="285750" indent="-285750">
+              <a:buFont typeface="Arial" panose="020B0604020202020204" pitchFamily="34" charset="0"/>
+              <a:buChar char="•"/>
+            </a:pPr>
+            <a:r>
+              <a:rPr lang="en-US" sz="3000" dirty="0"/>
+              <a:t>Simple</a:t>
+            </a:r>
+          </a:p>
+          <a:p>
+            <a:pPr marL="285750" indent="-285750">
+              <a:buFont typeface="Arial" panose="020B0604020202020204" pitchFamily="34" charset="0"/>
+              <a:buChar char="•"/>
+            </a:pPr>
+            <a:r>
+              <a:rPr lang="en-US" sz="3000" dirty="0"/>
+              <a:t>Fast loading application due to small build file size</a:t>
+            </a:r>
+          </a:p>
+          <a:p>
+            <a:pPr marL="285750" indent="-285750">
+              <a:buFont typeface="Arial" panose="020B0604020202020204" pitchFamily="34" charset="0"/>
+              <a:buChar char="•"/>
+            </a:pPr>
+            <a:r>
+              <a:rPr lang="en-US" sz="3000" dirty="0"/>
+              <a:t>Quick lookups for addresses and loading data using Google Firebase and Google Cloud Geolocation API</a:t>
+            </a:r>
+          </a:p>
+          <a:p>
+            <a:pPr marL="285750" indent="-285750">
+              <a:buFont typeface="Arial" panose="020B0604020202020204" pitchFamily="34" charset="0"/>
+              <a:buChar char="•"/>
+            </a:pPr>
+            <a:r>
+              <a:rPr lang="en-US" sz="3000" dirty="0"/>
+              <a:t>Easy to use filtering system for information</a:t>
+            </a:r>
+          </a:p>
+          <a:p>
+            <a:pPr marL="285750" indent="-285750">
+              <a:buFont typeface="Arial" panose="020B0604020202020204" pitchFamily="34" charset="0"/>
+              <a:buChar char="•"/>
+            </a:pPr>
+            <a:r>
+              <a:rPr lang="en-US" sz="3000" dirty="0"/>
+              <a:t>Socially mediated using a system similar to Waze, where people self report. They can upvote and downvote</a:t>
+            </a:r>
+          </a:p>
+          <a:p>
+            <a:pPr marL="285750" indent="-285750">
+              <a:buFont typeface="Arial" panose="020B0604020202020204" pitchFamily="34" charset="0"/>
+              <a:buChar char="•"/>
+            </a:pPr>
+            <a:r>
+              <a:rPr lang="en-US" sz="3000" dirty="0"/>
+              <a:t>Desktop and mobile friendly</a:t>
+            </a:r>
+          </a:p>
+          <a:p>
+            <a:pPr marL="285750" indent="-285750">
+              <a:buFont typeface="Arial" panose="020B0604020202020204" pitchFamily="34" charset="0"/>
+              <a:buChar char="•"/>
+            </a:pPr>
+            <a:r>
+              <a:rPr lang="en-US" sz="3000" dirty="0"/>
+              <a:t>Scalable</a:t>
+            </a:r>
+          </a:p>
+        </p:txBody>
+      </p:sp>
+    </p:spTree>
+    <p:extLst>
+      <p:ext uri="{BB962C8B-B14F-4D97-AF65-F5344CB8AC3E}">
+        <p14:creationId xmlns:p14="http://schemas.microsoft.com/office/powerpoint/2010/main" val="502920831"/>
+      </p:ext>
+    </p:extLst>
+  </p:cSld>
+  <p:clrMapOvr>
+    <a:masterClrMapping/>
+  </p:clrMapOvr>
+  <mc:AlternateContent xmlns:mc="http://schemas.openxmlformats.org/markup-compatibility/2006">
+    <mc:Choice xmlns:p159="http://schemas.microsoft.com/office/powerpoint/2015/09/main" Requires="p159">
+      <p:transition>
+        <p159:morph option="byObject"/>
+      </p:transition>
+    </mc:Choice>
+    <mc:Fallback>
+      <p:transition>
+        <p:fade/>
+      </p:transition>
+    </mc:Fallback>
+  </mc:AlternateContent>
+</p:sld>
+</file>
+
+<file path=ppt/slides/slide9.xml><?xml version="1.0" encoding="utf-8"?>
+<p:sld xmlns:a="http://schemas.openxmlformats.org/drawingml/2006/main" xmlns:r="http://schemas.openxmlformats.org/officeDocument/2006/relationships" xmlns:p="http://schemas.openxmlformats.org/presentationml/2006/main">
+  <p:cSld>
+    <p:spTree>
+      <p:nvGrpSpPr>
+        <p:cNvPr id="1" name=""/>
+        <p:cNvGrpSpPr/>
+        <p:nvPr/>
+      </p:nvGrpSpPr>
+      <p:grpSpPr>
+        <a:xfrm>
+          <a:off x="0" y="0"/>
+          <a:ext cx="0" cy="0"/>
+          <a:chOff x="0" y="0"/>
+          <a:chExt cx="0" cy="0"/>
+        </a:xfrm>
+      </p:grpSpPr>
+      <p:sp>
+        <p:nvSpPr>
+          <p:cNvPr id="4" name="TextBox 3">
+            <a:extLst>
+              <a:ext uri="{FF2B5EF4-FFF2-40B4-BE49-F238E27FC236}">
+                <a16:creationId xmlns:a16="http://schemas.microsoft.com/office/drawing/2014/main" id="{4B225430-D3A3-4FA8-AF00-0C631517A895}"/>
+              </a:ext>
+            </a:extLst>
+          </p:cNvPr>
+          <p:cNvSpPr txBox="1"/>
+          <p:nvPr/>
+        </p:nvSpPr>
+        <p:spPr>
+          <a:xfrm>
+            <a:off x="509326" y="394037"/>
+            <a:ext cx="2810385" cy="707886"/>
+          </a:xfrm>
+          <a:prstGeom prst="rect">
+            <a:avLst/>
+          </a:prstGeom>
+          <a:noFill/>
+        </p:spPr>
+        <p:txBody>
+          <a:bodyPr wrap="none" rtlCol="0">
+            <a:spAutoFit/>
+          </a:bodyPr>
+          <a:lstStyle/>
+          <a:p>
+            <a:r>
+              <a:rPr lang="en-US" sz="4000" dirty="0"/>
+              <a:t>Our Solution</a:t>
+            </a:r>
+          </a:p>
+        </p:txBody>
+      </p:sp>
+      <p:pic>
+        <p:nvPicPr>
+          <p:cNvPr id="6" name="Picture 5">
+            <a:extLst>
+              <a:ext uri="{FF2B5EF4-FFF2-40B4-BE49-F238E27FC236}">
+                <a16:creationId xmlns:a16="http://schemas.microsoft.com/office/drawing/2014/main" id="{CAB60B9D-AA69-41E8-8DDD-EABF9B7DFBCC}"/>
+              </a:ext>
+            </a:extLst>
+          </p:cNvPr>
+          <p:cNvPicPr>
+            <a:picLocks noChangeAspect="1"/>
+          </p:cNvPicPr>
+          <p:nvPr/>
+        </p:nvPicPr>
+        <p:blipFill>
+          <a:blip r:embed="rId2">
+            <a:extLst>
+              <a:ext uri="{28A0092B-C50C-407E-A947-70E740481C1C}">
+                <a14:useLocalDpi xmlns:a14="http://schemas.microsoft.com/office/drawing/2010/main" val="0"/>
+              </a:ext>
+            </a:extLst>
+          </a:blip>
+          <a:stretch>
+            <a:fillRect/>
+          </a:stretch>
+        </p:blipFill>
+        <p:spPr>
+          <a:xfrm>
+            <a:off x="509326" y="1303649"/>
+            <a:ext cx="2895600" cy="5160314"/>
+          </a:xfrm>
+          <a:prstGeom prst="rect">
+            <a:avLst/>
+          </a:prstGeom>
+        </p:spPr>
+      </p:pic>
+      <p:sp>
+        <p:nvSpPr>
+          <p:cNvPr id="8" name="Rectangle 7">
+            <a:extLst>
+              <a:ext uri="{FF2B5EF4-FFF2-40B4-BE49-F238E27FC236}">
+                <a16:creationId xmlns:a16="http://schemas.microsoft.com/office/drawing/2014/main" id="{64C4E9C4-092F-43B0-BD1D-93A96B0B689F}"/>
+              </a:ext>
+            </a:extLst>
+          </p:cNvPr>
+          <p:cNvSpPr/>
+          <p:nvPr/>
+        </p:nvSpPr>
+        <p:spPr>
+          <a:xfrm>
+            <a:off x="3638550" y="843677"/>
+            <a:ext cx="8382000" cy="5170646"/>
+          </a:xfrm>
+          <a:prstGeom prst="rect">
+            <a:avLst/>
+          </a:prstGeom>
+        </p:spPr>
+        <p:txBody>
+          <a:bodyPr wrap="square">
+            <a:spAutoFit/>
+          </a:bodyPr>
+          <a:lstStyle/>
+          <a:p>
+            <a:pPr marL="285750" indent="-285750">
+              <a:buFont typeface="Arial" panose="020B0604020202020204" pitchFamily="34" charset="0"/>
+              <a:buChar char="•"/>
+            </a:pPr>
+            <a:r>
+              <a:rPr lang="en-US" sz="3000" dirty="0"/>
+              <a:t>Information hub for resources in the about page</a:t>
+            </a:r>
+          </a:p>
+          <a:p>
+            <a:pPr marL="285750" indent="-285750">
+              <a:buFont typeface="Arial" panose="020B0604020202020204" pitchFamily="34" charset="0"/>
+              <a:buChar char="•"/>
+            </a:pPr>
+            <a:r>
+              <a:rPr lang="en-US" sz="3000" dirty="0"/>
+              <a:t>Simple</a:t>
+            </a:r>
+          </a:p>
+          <a:p>
+            <a:pPr marL="285750" indent="-285750">
+              <a:buFont typeface="Arial" panose="020B0604020202020204" pitchFamily="34" charset="0"/>
+              <a:buChar char="•"/>
+            </a:pPr>
+            <a:r>
+              <a:rPr lang="en-US" sz="3000" dirty="0"/>
+              <a:t>Fast loading application due to small build file size</a:t>
+            </a:r>
+          </a:p>
+          <a:p>
+            <a:pPr marL="285750" indent="-285750">
+              <a:buFont typeface="Arial" panose="020B0604020202020204" pitchFamily="34" charset="0"/>
+              <a:buChar char="•"/>
+            </a:pPr>
+            <a:r>
+              <a:rPr lang="en-US" sz="3000" dirty="0"/>
+              <a:t>Quick lookups for addresses and loading data using Google Firebase and Google Cloud Geolocation API</a:t>
+            </a:r>
+          </a:p>
+          <a:p>
+            <a:pPr marL="285750" indent="-285750">
+              <a:buFont typeface="Arial" panose="020B0604020202020204" pitchFamily="34" charset="0"/>
+              <a:buChar char="•"/>
+            </a:pPr>
+            <a:r>
+              <a:rPr lang="en-US" sz="3000" dirty="0"/>
+              <a:t>Easy to use filtering system for information</a:t>
+            </a:r>
+          </a:p>
+          <a:p>
+            <a:pPr marL="285750" indent="-285750">
+              <a:buFont typeface="Arial" panose="020B0604020202020204" pitchFamily="34" charset="0"/>
+              <a:buChar char="•"/>
+            </a:pPr>
+            <a:r>
+              <a:rPr lang="en-US" sz="3000" dirty="0"/>
+              <a:t>Socially mediated using a system similar to Waze, where people self report. They can upvote and downvote</a:t>
+            </a:r>
+          </a:p>
+          <a:p>
+            <a:pPr marL="285750" indent="-285750">
+              <a:buFont typeface="Arial" panose="020B0604020202020204" pitchFamily="34" charset="0"/>
+              <a:buChar char="•"/>
+            </a:pPr>
+            <a:r>
+              <a:rPr lang="en-US" sz="3000" dirty="0"/>
+              <a:t>Desktop and mobile friendly</a:t>
+            </a:r>
+          </a:p>
+          <a:p>
+            <a:pPr marL="285750" indent="-285750">
+              <a:buFont typeface="Arial" panose="020B0604020202020204" pitchFamily="34" charset="0"/>
+              <a:buChar char="•"/>
+            </a:pPr>
+            <a:r>
+              <a:rPr lang="en-US" sz="3000" dirty="0"/>
+              <a:t>Scalable</a:t>
+            </a:r>
+          </a:p>
+        </p:txBody>
+      </p:sp>
+    </p:spTree>
+    <p:extLst>
+      <p:ext uri="{BB962C8B-B14F-4D97-AF65-F5344CB8AC3E}">
+        <p14:creationId xmlns:p14="http://schemas.microsoft.com/office/powerpoint/2010/main" val="4289660471"/>
+      </p:ext>
+    </p:extLst>
+  </p:cSld>
+  <p:clrMapOvr>
+    <a:masterClrMapping/>
+  </p:clrMapOvr>
+  <mc:AlternateContent xmlns:mc="http://schemas.openxmlformats.org/markup-compatibility/2006">
+    <mc:Choice xmlns:p159="http://schemas.microsoft.com/office/powerpoint/2015/09/main" Requires="p159">
+      <p:transition>
         <p159:morph option="byObject"/>
       </p:transition>
     </mc:Choice>

--- a/Presentation.pptx
+++ b/Presentation.pptx
@@ -3479,6 +3479,49 @@
           </a:p>
         </p:txBody>
       </p:sp>
+      <p:sp>
+        <p:nvSpPr>
+          <p:cNvPr id="9" name="TextBox 8">
+            <a:extLst>
+              <a:ext uri="{FF2B5EF4-FFF2-40B4-BE49-F238E27FC236}">
+                <a16:creationId xmlns:a16="http://schemas.microsoft.com/office/drawing/2014/main" id="{26FC82AB-8438-47E3-913C-F950A4E9238A}"/>
+              </a:ext>
+            </a:extLst>
+          </p:cNvPr>
+          <p:cNvSpPr txBox="1"/>
+          <p:nvPr/>
+        </p:nvSpPr>
+        <p:spPr>
+          <a:xfrm>
+            <a:off x="5023015" y="5967663"/>
+            <a:ext cx="2145973" cy="954107"/>
+          </a:xfrm>
+          <a:prstGeom prst="rect">
+            <a:avLst/>
+          </a:prstGeom>
+          <a:noFill/>
+        </p:spPr>
+        <p:txBody>
+          <a:bodyPr wrap="none" rtlCol="0">
+            <a:spAutoFit/>
+          </a:bodyPr>
+          <a:lstStyle/>
+          <a:p>
+            <a:pPr algn="ctr"/>
+            <a:r>
+              <a:rPr lang="en-US" sz="2800" dirty="0"/>
+              <a:t>Ryan Yang</a:t>
+            </a:r>
+          </a:p>
+          <a:p>
+            <a:pPr algn="ctr"/>
+            <a:r>
+              <a:rPr lang="en-US" sz="2800" dirty="0"/>
+              <a:t>William Kwok</a:t>
+            </a:r>
+          </a:p>
+        </p:txBody>
+      </p:sp>
     </p:spTree>
     <p:extLst>
       <p:ext uri="{BB962C8B-B14F-4D97-AF65-F5344CB8AC3E}">
